--- a/Thesis/ThesisArbeit_V3/images/ArbeitsProzessReal.pptx
+++ b/Thesis/ThesisArbeit_V3/images/ArbeitsProzessReal.pptx
@@ -7,6 +7,7 @@
   <p:sldIdLst>
     <p:sldId id="256" r:id="rId2"/>
     <p:sldId id="257" r:id="rId3"/>
+    <p:sldId id="258" r:id="rId4"/>
   </p:sldIdLst>
   <p:sldSz cx="12192000" cy="6858000"/>
   <p:notesSz cx="6858000" cy="9144000"/>
@@ -105,6 +106,11 @@
       </a:defRPr>
     </a:lvl9pPr>
   </p:defaultTextStyle>
+  <p:extLst>
+    <p:ext uri="{EFAFB233-063F-42B5-8137-9DF3F51BA10A}">
+      <p15:sldGuideLst xmlns:p15="http://schemas.microsoft.com/office/powerpoint/2012/main"/>
+    </p:ext>
+  </p:extLst>
 </p:presentation>
 </file>
 
@@ -257,7 +263,7 @@
           <a:p>
             <a:fld id="{13040E74-DFDB-44BD-8185-1F7771AED9D8}" type="datetimeFigureOut">
               <a:rPr lang="de-DE" smtClean="0"/>
-              <a:t>02.05.2018</a:t>
+              <a:t>07.05.2018</a:t>
             </a:fld>
             <a:endParaRPr lang="de-DE"/>
           </a:p>
@@ -457,7 +463,7 @@
           <a:p>
             <a:fld id="{13040E74-DFDB-44BD-8185-1F7771AED9D8}" type="datetimeFigureOut">
               <a:rPr lang="de-DE" smtClean="0"/>
-              <a:t>02.05.2018</a:t>
+              <a:t>07.05.2018</a:t>
             </a:fld>
             <a:endParaRPr lang="de-DE"/>
           </a:p>
@@ -667,7 +673,7 @@
           <a:p>
             <a:fld id="{13040E74-DFDB-44BD-8185-1F7771AED9D8}" type="datetimeFigureOut">
               <a:rPr lang="de-DE" smtClean="0"/>
-              <a:t>02.05.2018</a:t>
+              <a:t>07.05.2018</a:t>
             </a:fld>
             <a:endParaRPr lang="de-DE"/>
           </a:p>
@@ -867,7 +873,7 @@
           <a:p>
             <a:fld id="{13040E74-DFDB-44BD-8185-1F7771AED9D8}" type="datetimeFigureOut">
               <a:rPr lang="de-DE" smtClean="0"/>
-              <a:t>02.05.2018</a:t>
+              <a:t>07.05.2018</a:t>
             </a:fld>
             <a:endParaRPr lang="de-DE"/>
           </a:p>
@@ -1143,7 +1149,7 @@
           <a:p>
             <a:fld id="{13040E74-DFDB-44BD-8185-1F7771AED9D8}" type="datetimeFigureOut">
               <a:rPr lang="de-DE" smtClean="0"/>
-              <a:t>02.05.2018</a:t>
+              <a:t>07.05.2018</a:t>
             </a:fld>
             <a:endParaRPr lang="de-DE"/>
           </a:p>
@@ -1411,7 +1417,7 @@
           <a:p>
             <a:fld id="{13040E74-DFDB-44BD-8185-1F7771AED9D8}" type="datetimeFigureOut">
               <a:rPr lang="de-DE" smtClean="0"/>
-              <a:t>02.05.2018</a:t>
+              <a:t>07.05.2018</a:t>
             </a:fld>
             <a:endParaRPr lang="de-DE"/>
           </a:p>
@@ -1826,7 +1832,7 @@
           <a:p>
             <a:fld id="{13040E74-DFDB-44BD-8185-1F7771AED9D8}" type="datetimeFigureOut">
               <a:rPr lang="de-DE" smtClean="0"/>
-              <a:t>02.05.2018</a:t>
+              <a:t>07.05.2018</a:t>
             </a:fld>
             <a:endParaRPr lang="de-DE"/>
           </a:p>
@@ -1968,7 +1974,7 @@
           <a:p>
             <a:fld id="{13040E74-DFDB-44BD-8185-1F7771AED9D8}" type="datetimeFigureOut">
               <a:rPr lang="de-DE" smtClean="0"/>
-              <a:t>02.05.2018</a:t>
+              <a:t>07.05.2018</a:t>
             </a:fld>
             <a:endParaRPr lang="de-DE"/>
           </a:p>
@@ -2081,7 +2087,7 @@
           <a:p>
             <a:fld id="{13040E74-DFDB-44BD-8185-1F7771AED9D8}" type="datetimeFigureOut">
               <a:rPr lang="de-DE" smtClean="0"/>
-              <a:t>02.05.2018</a:t>
+              <a:t>07.05.2018</a:t>
             </a:fld>
             <a:endParaRPr lang="de-DE"/>
           </a:p>
@@ -2394,7 +2400,7 @@
           <a:p>
             <a:fld id="{13040E74-DFDB-44BD-8185-1F7771AED9D8}" type="datetimeFigureOut">
               <a:rPr lang="de-DE" smtClean="0"/>
-              <a:t>02.05.2018</a:t>
+              <a:t>07.05.2018</a:t>
             </a:fld>
             <a:endParaRPr lang="de-DE"/>
           </a:p>
@@ -2683,7 +2689,7 @@
           <a:p>
             <a:fld id="{13040E74-DFDB-44BD-8185-1F7771AED9D8}" type="datetimeFigureOut">
               <a:rPr lang="de-DE" smtClean="0"/>
-              <a:t>02.05.2018</a:t>
+              <a:t>07.05.2018</a:t>
             </a:fld>
             <a:endParaRPr lang="de-DE"/>
           </a:p>
@@ -2926,7 +2932,7 @@
           <a:p>
             <a:fld id="{13040E74-DFDB-44BD-8185-1F7771AED9D8}" type="datetimeFigureOut">
               <a:rPr lang="de-DE" smtClean="0"/>
-              <a:t>02.05.2018</a:t>
+              <a:t>07.05.2018</a:t>
             </a:fld>
             <a:endParaRPr lang="de-DE"/>
           </a:p>
@@ -3357,8 +3363,8 @@
         </p:nvSpPr>
         <p:spPr>
           <a:xfrm>
-            <a:off x="630574" y="2376878"/>
-            <a:ext cx="1050024" cy="664132"/>
+            <a:off x="630574" y="2194513"/>
+            <a:ext cx="1050024" cy="1234487"/>
           </a:xfrm>
           <a:prstGeom prst="roundRect">
             <a:avLst/>
@@ -3393,7 +3399,14 @@
             <a:pPr algn="ctr"/>
             <a:r>
               <a:rPr lang="de-DE" sz="1100" dirty="0"/>
-              <a:t>Kalibrierung anhand eines 2D-Schachbretts</a:t>
+              <a:t>Szenenre-konstruktion und Kamera-kalibrierung</a:t>
+            </a:r>
+          </a:p>
+          <a:p>
+            <a:pPr algn="ctr"/>
+            <a:r>
+              <a:rPr lang="de-DE" sz="1100" dirty="0"/>
+              <a:t> anhand eines 2D-Schachbretts</a:t>
             </a:r>
           </a:p>
         </p:txBody>
@@ -3448,7 +3461,7 @@
             <a:pPr algn="ctr"/>
             <a:r>
               <a:rPr lang="de-DE" sz="1100" dirty="0"/>
-              <a:t>Kalibrierung anhand einer 3D-Szene</a:t>
+              <a:t>Szenenrekonstruktion und Kamer</a:t>
             </a:r>
           </a:p>
         </p:txBody>
@@ -3705,8 +3718,8 @@
         </p:nvSpPr>
         <p:spPr>
           <a:xfrm>
-            <a:off x="873855" y="1600032"/>
-            <a:ext cx="1295882" cy="430887"/>
+            <a:off x="434361" y="1553574"/>
+            <a:ext cx="1295882" cy="769441"/>
           </a:xfrm>
           <a:prstGeom prst="rect">
             <a:avLst/>
@@ -3723,6 +3736,15 @@
               <a:rPr lang="de-DE" sz="1100" dirty="0"/>
               <a:t>Ansatz</a:t>
             </a:r>
+          </a:p>
+          <a:p>
+            <a:r>
+              <a:rPr lang="de-DE" sz="1100" dirty="0"/>
+              <a:t>Kalibrierter Fall</a:t>
+            </a:r>
+          </a:p>
+          <a:p>
+            <a:endParaRPr lang="de-DE" sz="1100" dirty="0"/>
           </a:p>
           <a:p>
             <a:endParaRPr lang="de-DE" sz="1100" dirty="0"/>
@@ -5549,8 +5571,8 @@
         </p:nvSpPr>
         <p:spPr>
           <a:xfrm>
-            <a:off x="10246097" y="3230456"/>
-            <a:ext cx="1173063" cy="664133"/>
+            <a:off x="10246097" y="2714646"/>
+            <a:ext cx="1173063" cy="2219304"/>
           </a:xfrm>
           <a:prstGeom prst="roundRect">
             <a:avLst/>
@@ -5583,10 +5605,22 @@
           <a:lstStyle/>
           <a:p>
             <a:pPr algn="ctr"/>
+            <a:endParaRPr lang="de-DE" sz="1100" dirty="0"/>
+          </a:p>
+          <a:p>
+            <a:pPr algn="ctr"/>
+            <a:endParaRPr lang="de-DE" sz="1100" dirty="0"/>
+          </a:p>
+          <a:p>
+            <a:pPr algn="ctr"/>
             <a:r>
               <a:rPr lang="de-DE" sz="1100" dirty="0"/>
-              <a:t>Rekonstruktion durch Triangulierung</a:t>
-            </a:r>
+              <a:t>Einfache Triangulierung durch Schnittpunkt-berechnung der durch die jeweiligen Projektionszentren und Bildpunkten verlaufenden Geraden</a:t>
+            </a:r>
+          </a:p>
+          <a:p>
+            <a:pPr algn="ctr"/>
+            <a:endParaRPr lang="de-DE" sz="1100" dirty="0"/>
           </a:p>
         </p:txBody>
       </p:sp>
@@ -5681,7 +5715,7 @@
         <p:spPr>
           <a:xfrm>
             <a:off x="10184686" y="1330437"/>
-            <a:ext cx="1629423" cy="1554272"/>
+            <a:ext cx="1629423" cy="430887"/>
           </a:xfrm>
           <a:prstGeom prst="rect">
             <a:avLst/>
@@ -5696,10 +5730,8 @@
           <a:p>
             <a:r>
               <a:rPr lang="de-DE" sz="1100" dirty="0"/>
-              <a:t>Einfache Triangulierung durch Schnittpunkt-berechnung der durch die jeweiligen Projektionszentren und Bildpunkten verlaufenden Geraden</a:t>
-            </a:r>
-          </a:p>
-          <a:p>
+              <a:t>Rekonstruktion durch Triangulierung</a:t>
+            </a:r>
             <a:endParaRPr lang="de-DE" dirty="0"/>
           </a:p>
         </p:txBody>
@@ -5874,130 +5906,15 @@
               </a:ext>
             </a:extLst>
           </p:cNvPr>
-          <p:cNvCxnSpPr/>
+          <p:cNvCxnSpPr>
+            <a:cxnSpLocks/>
+          </p:cNvCxnSpPr>
           <p:nvPr/>
         </p:nvCxnSpPr>
         <p:spPr>
-          <a:xfrm flipV="1">
-            <a:off x="4707621" y="3135733"/>
-            <a:ext cx="183977" cy="94721"/>
-          </a:xfrm>
-          <a:prstGeom prst="straightConnector1">
-            <a:avLst/>
-          </a:prstGeom>
-          <a:ln>
-            <a:tailEnd type="triangle"/>
-          </a:ln>
-        </p:spPr>
-        <p:style>
-          <a:lnRef idx="1">
-            <a:schemeClr val="accent1"/>
-          </a:lnRef>
-          <a:fillRef idx="0">
-            <a:schemeClr val="accent1"/>
-          </a:fillRef>
-          <a:effectRef idx="0">
-            <a:schemeClr val="accent1"/>
-          </a:effectRef>
-          <a:fontRef idx="minor">
-            <a:schemeClr val="tx1"/>
-          </a:fontRef>
-        </p:style>
-      </p:cxnSp>
-      <p:cxnSp>
-        <p:nvCxnSpPr>
-          <p:cNvPr id="24" name="Straight Arrow Connector 23">
-            <a:extLst>
-              <a:ext uri="{FF2B5EF4-FFF2-40B4-BE49-F238E27FC236}">
-                <a16:creationId xmlns:a16="http://schemas.microsoft.com/office/drawing/2014/main" id="{DD95E583-4F43-46D4-9844-726618A156C3}"/>
-              </a:ext>
-            </a:extLst>
-          </p:cNvPr>
-          <p:cNvCxnSpPr/>
-          <p:nvPr/>
-        </p:nvCxnSpPr>
-        <p:spPr>
-          <a:xfrm>
-            <a:off x="4707621" y="3894589"/>
-            <a:ext cx="183977" cy="209028"/>
-          </a:xfrm>
-          <a:prstGeom prst="straightConnector1">
-            <a:avLst/>
-          </a:prstGeom>
-          <a:ln>
-            <a:tailEnd type="triangle"/>
-          </a:ln>
-        </p:spPr>
-        <p:style>
-          <a:lnRef idx="1">
-            <a:schemeClr val="accent1"/>
-          </a:lnRef>
-          <a:fillRef idx="0">
-            <a:schemeClr val="accent1"/>
-          </a:fillRef>
-          <a:effectRef idx="0">
-            <a:schemeClr val="accent1"/>
-          </a:effectRef>
-          <a:fontRef idx="minor">
-            <a:schemeClr val="tx1"/>
-          </a:fontRef>
-        </p:style>
-      </p:cxnSp>
-      <p:cxnSp>
-        <p:nvCxnSpPr>
-          <p:cNvPr id="25" name="Straight Arrow Connector 24">
-            <a:extLst>
-              <a:ext uri="{FF2B5EF4-FFF2-40B4-BE49-F238E27FC236}">
-                <a16:creationId xmlns:a16="http://schemas.microsoft.com/office/drawing/2014/main" id="{EC316349-219A-4DEC-B5D1-6BB02E64840A}"/>
-              </a:ext>
-            </a:extLst>
-          </p:cNvPr>
-          <p:cNvCxnSpPr/>
-          <p:nvPr/>
-        </p:nvCxnSpPr>
-        <p:spPr>
-          <a:xfrm flipV="1">
-            <a:off x="6257718" y="3894589"/>
-            <a:ext cx="183977" cy="209028"/>
-          </a:xfrm>
-          <a:prstGeom prst="straightConnector1">
-            <a:avLst/>
-          </a:prstGeom>
-          <a:ln>
-            <a:tailEnd type="triangle"/>
-          </a:ln>
-        </p:spPr>
-        <p:style>
-          <a:lnRef idx="1">
-            <a:schemeClr val="accent1"/>
-          </a:lnRef>
-          <a:fillRef idx="0">
-            <a:schemeClr val="accent1"/>
-          </a:fillRef>
-          <a:effectRef idx="0">
-            <a:schemeClr val="accent1"/>
-          </a:effectRef>
-          <a:fontRef idx="minor">
-            <a:schemeClr val="tx1"/>
-          </a:fontRef>
-        </p:style>
-      </p:cxnSp>
-      <p:cxnSp>
-        <p:nvCxnSpPr>
-          <p:cNvPr id="26" name="Straight Arrow Connector 25">
-            <a:extLst>
-              <a:ext uri="{FF2B5EF4-FFF2-40B4-BE49-F238E27FC236}">
-                <a16:creationId xmlns:a16="http://schemas.microsoft.com/office/drawing/2014/main" id="{BBC762DB-7D20-4EAD-8FB9-E86994A6B0B1}"/>
-              </a:ext>
-            </a:extLst>
-          </p:cNvPr>
-          <p:cNvCxnSpPr/>
-          <p:nvPr/>
-        </p:nvCxnSpPr>
-        <p:spPr>
-          <a:xfrm>
-            <a:off x="6193865" y="3135733"/>
-            <a:ext cx="247830" cy="150258"/>
+          <a:xfrm>
+            <a:off x="4707621" y="3574404"/>
+            <a:ext cx="219095" cy="1"/>
           </a:xfrm>
           <a:prstGeom prst="straightConnector1">
             <a:avLst/>
@@ -6099,54 +6016,6 @@
           </a:fillRef>
           <a:effectRef idx="0">
             <a:schemeClr val="accent1"/>
-          </a:effectRef>
-          <a:fontRef idx="minor">
-            <a:schemeClr val="tx1"/>
-          </a:fontRef>
-        </p:style>
-      </p:cxnSp>
-      <p:cxnSp>
-        <p:nvCxnSpPr>
-          <p:cNvPr id="29" name="Straight Arrow Connector 28">
-            <a:extLst>
-              <a:ext uri="{FF2B5EF4-FFF2-40B4-BE49-F238E27FC236}">
-                <a16:creationId xmlns:a16="http://schemas.microsoft.com/office/drawing/2014/main" id="{D2812720-A810-49F3-BF5B-428792CAEF29}"/>
-              </a:ext>
-            </a:extLst>
-          </p:cNvPr>
-          <p:cNvCxnSpPr>
-            <a:stCxn id="13" idx="3"/>
-            <a:endCxn id="14" idx="1"/>
-          </p:cNvCxnSpPr>
-          <p:nvPr/>
-        </p:nvCxnSpPr>
-        <p:spPr>
-          <a:xfrm>
-            <a:off x="10027987" y="3562523"/>
-            <a:ext cx="218110" cy="0"/>
-          </a:xfrm>
-          <a:prstGeom prst="straightConnector1">
-            <a:avLst/>
-          </a:prstGeom>
-          <a:ln w="9525" cap="flat" cmpd="sng" algn="ctr">
-            <a:solidFill>
-              <a:schemeClr val="dk1"/>
-            </a:solidFill>
-            <a:prstDash val="dash"/>
-            <a:round/>
-            <a:headEnd type="none" w="med" len="med"/>
-            <a:tailEnd type="none" w="med" len="med"/>
-          </a:ln>
-        </p:spPr>
-        <p:style>
-          <a:lnRef idx="0">
-            <a:scrgbClr r="0" g="0" b="0"/>
-          </a:lnRef>
-          <a:fillRef idx="0">
-            <a:scrgbClr r="0" g="0" b="0"/>
-          </a:fillRef>
-          <a:effectRef idx="0">
-            <a:scrgbClr r="0" g="0" b="0"/>
           </a:effectRef>
           <a:fontRef idx="minor">
             <a:schemeClr val="tx1"/>
@@ -6257,7 +6126,7 @@
         </p:nvCxnSpPr>
         <p:spPr>
           <a:xfrm>
-            <a:off x="4796641" y="1208014"/>
+            <a:off x="4822125" y="1224792"/>
             <a:ext cx="0" cy="4286774"/>
           </a:xfrm>
           <a:prstGeom prst="line">
@@ -6302,7 +6171,7 @@
         </p:nvCxnSpPr>
         <p:spPr>
           <a:xfrm>
-            <a:off x="6349706" y="1208014"/>
+            <a:off x="6318764" y="1183542"/>
             <a:ext cx="0" cy="4286774"/>
           </a:xfrm>
           <a:prstGeom prst="line">
@@ -6507,10 +6376,1448 @@
           </a:fontRef>
         </p:style>
       </p:cxnSp>
+      <p:cxnSp>
+        <p:nvCxnSpPr>
+          <p:cNvPr id="38" name="Straight Arrow Connector 37">
+            <a:extLst>
+              <a:ext uri="{FF2B5EF4-FFF2-40B4-BE49-F238E27FC236}">
+                <a16:creationId xmlns:a16="http://schemas.microsoft.com/office/drawing/2014/main" id="{D1AB3DAA-3920-4E88-B3F5-364127A65A6C}"/>
+              </a:ext>
+            </a:extLst>
+          </p:cNvPr>
+          <p:cNvCxnSpPr>
+            <a:cxnSpLocks/>
+          </p:cNvCxnSpPr>
+          <p:nvPr/>
+        </p:nvCxnSpPr>
+        <p:spPr>
+          <a:xfrm>
+            <a:off x="6235817" y="3584191"/>
+            <a:ext cx="219095" cy="1"/>
+          </a:xfrm>
+          <a:prstGeom prst="straightConnector1">
+            <a:avLst/>
+          </a:prstGeom>
+          <a:ln>
+            <a:tailEnd type="triangle"/>
+          </a:ln>
+        </p:spPr>
+        <p:style>
+          <a:lnRef idx="1">
+            <a:schemeClr val="accent1"/>
+          </a:lnRef>
+          <a:fillRef idx="0">
+            <a:schemeClr val="accent1"/>
+          </a:fillRef>
+          <a:effectRef idx="0">
+            <a:schemeClr val="accent1"/>
+          </a:effectRef>
+          <a:fontRef idx="minor">
+            <a:schemeClr val="tx1"/>
+          </a:fontRef>
+        </p:style>
+      </p:cxnSp>
     </p:spTree>
     <p:extLst>
       <p:ext uri="{BB962C8B-B14F-4D97-AF65-F5344CB8AC3E}">
         <p14:creationId xmlns:p14="http://schemas.microsoft.com/office/powerpoint/2010/main" val="2634437004"/>
+      </p:ext>
+    </p:extLst>
+  </p:cSld>
+  <p:clrMapOvr>
+    <a:masterClrMapping/>
+  </p:clrMapOvr>
+</p:sld>
+</file>
+
+<file path=ppt/slides/slide3.xml><?xml version="1.0" encoding="utf-8"?>
+<p:sld xmlns:a="http://schemas.openxmlformats.org/drawingml/2006/main" xmlns:r="http://schemas.openxmlformats.org/officeDocument/2006/relationships" xmlns:p="http://schemas.openxmlformats.org/presentationml/2006/main">
+  <p:cSld>
+    <p:spTree>
+      <p:nvGrpSpPr>
+        <p:cNvPr id="1" name=""/>
+        <p:cNvGrpSpPr/>
+        <p:nvPr/>
+      </p:nvGrpSpPr>
+      <p:grpSpPr>
+        <a:xfrm>
+          <a:off x="0" y="0"/>
+          <a:ext cx="0" cy="0"/>
+          <a:chOff x="0" y="0"/>
+          <a:chExt cx="0" cy="0"/>
+        </a:xfrm>
+      </p:grpSpPr>
+      <p:sp>
+        <p:nvSpPr>
+          <p:cNvPr id="35" name="Rectangle: Rounded Corners 34">
+            <a:extLst>
+              <a:ext uri="{FF2B5EF4-FFF2-40B4-BE49-F238E27FC236}">
+                <a16:creationId xmlns:a16="http://schemas.microsoft.com/office/drawing/2014/main" id="{B882D542-AAF3-426B-8C1E-FF6276FCD7F9}"/>
+              </a:ext>
+            </a:extLst>
+          </p:cNvPr>
+          <p:cNvSpPr/>
+          <p:nvPr/>
+        </p:nvSpPr>
+        <p:spPr>
+          <a:xfrm>
+            <a:off x="521056" y="2969461"/>
+            <a:ext cx="1050024" cy="1179943"/>
+          </a:xfrm>
+          <a:prstGeom prst="roundRect">
+            <a:avLst/>
+          </a:prstGeom>
+          <a:solidFill>
+            <a:schemeClr val="accent1">
+              <a:lumMod val="60000"/>
+              <a:lumOff val="40000"/>
+            </a:schemeClr>
+          </a:solidFill>
+        </p:spPr>
+        <p:style>
+          <a:lnRef idx="2">
+            <a:schemeClr val="accent1">
+              <a:shade val="50000"/>
+            </a:schemeClr>
+          </a:lnRef>
+          <a:fillRef idx="1">
+            <a:schemeClr val="accent1"/>
+          </a:fillRef>
+          <a:effectRef idx="0">
+            <a:schemeClr val="accent1"/>
+          </a:effectRef>
+          <a:fontRef idx="minor">
+            <a:schemeClr val="lt1"/>
+          </a:fontRef>
+        </p:style>
+        <p:txBody>
+          <a:bodyPr rtlCol="0" anchor="ctr"/>
+          <a:lstStyle/>
+          <a:p>
+            <a:pPr algn="ctr"/>
+            <a:r>
+              <a:rPr lang="de-DE" sz="1100" dirty="0"/>
+              <a:t>Szenenrekonstruktion anhand eines 2D-Schachbretts</a:t>
+            </a:r>
+          </a:p>
+          <a:p>
+            <a:pPr algn="ctr"/>
+            <a:endParaRPr lang="de-DE" sz="1100" dirty="0"/>
+          </a:p>
+          <a:p>
+            <a:pPr algn="ctr"/>
+            <a:endParaRPr lang="de-DE" sz="1100" dirty="0"/>
+          </a:p>
+        </p:txBody>
+      </p:sp>
+      <p:sp>
+        <p:nvSpPr>
+          <p:cNvPr id="36" name="Rectangle: Rounded Corners 35">
+            <a:extLst>
+              <a:ext uri="{FF2B5EF4-FFF2-40B4-BE49-F238E27FC236}">
+                <a16:creationId xmlns:a16="http://schemas.microsoft.com/office/drawing/2014/main" id="{23A8C434-FDA8-4FEB-87A7-51F55CCF0CDE}"/>
+              </a:ext>
+            </a:extLst>
+          </p:cNvPr>
+          <p:cNvSpPr/>
+          <p:nvPr/>
+        </p:nvSpPr>
+        <p:spPr>
+          <a:xfrm>
+            <a:off x="1862356" y="2714646"/>
+            <a:ext cx="1577131" cy="1689574"/>
+          </a:xfrm>
+          <a:prstGeom prst="roundRect">
+            <a:avLst/>
+          </a:prstGeom>
+          <a:solidFill>
+            <a:schemeClr val="accent1">
+              <a:lumMod val="60000"/>
+              <a:lumOff val="40000"/>
+            </a:schemeClr>
+          </a:solidFill>
+        </p:spPr>
+        <p:style>
+          <a:lnRef idx="2">
+            <a:schemeClr val="accent1">
+              <a:shade val="50000"/>
+            </a:schemeClr>
+          </a:lnRef>
+          <a:fillRef idx="1">
+            <a:schemeClr val="accent1"/>
+          </a:fillRef>
+          <a:effectRef idx="0">
+            <a:schemeClr val="accent1"/>
+          </a:effectRef>
+          <a:fontRef idx="minor">
+            <a:schemeClr val="lt1"/>
+          </a:fontRef>
+        </p:style>
+        <p:txBody>
+          <a:bodyPr rtlCol="0" anchor="ctr"/>
+          <a:lstStyle/>
+          <a:p>
+            <a:pPr algn="ctr"/>
+            <a:r>
+              <a:rPr lang="de-DE" sz="1100" dirty="0"/>
+              <a:t>Schachbrett wird aus mehreren Winkeln von zwei Kameras aufgenommen </a:t>
+            </a:r>
+            <a:endParaRPr lang="de-DE" sz="1200" dirty="0"/>
+          </a:p>
+        </p:txBody>
+      </p:sp>
+      <p:sp>
+        <p:nvSpPr>
+          <p:cNvPr id="37" name="Rectangle: Rounded Corners 36">
+            <a:extLst>
+              <a:ext uri="{FF2B5EF4-FFF2-40B4-BE49-F238E27FC236}">
+                <a16:creationId xmlns:a16="http://schemas.microsoft.com/office/drawing/2014/main" id="{0DF3700D-F5CA-47D4-B56B-691458E9D840}"/>
+              </a:ext>
+            </a:extLst>
+          </p:cNvPr>
+          <p:cNvSpPr/>
+          <p:nvPr/>
+        </p:nvSpPr>
+        <p:spPr>
+          <a:xfrm>
+            <a:off x="3642522" y="2883566"/>
+            <a:ext cx="1056981" cy="1351731"/>
+          </a:xfrm>
+          <a:prstGeom prst="roundRect">
+            <a:avLst/>
+          </a:prstGeom>
+          <a:solidFill>
+            <a:schemeClr val="accent1">
+              <a:lumMod val="60000"/>
+              <a:lumOff val="40000"/>
+            </a:schemeClr>
+          </a:solidFill>
+        </p:spPr>
+        <p:style>
+          <a:lnRef idx="2">
+            <a:schemeClr val="accent1">
+              <a:shade val="50000"/>
+            </a:schemeClr>
+          </a:lnRef>
+          <a:fillRef idx="1">
+            <a:schemeClr val="accent1"/>
+          </a:fillRef>
+          <a:effectRef idx="0">
+            <a:schemeClr val="accent1"/>
+          </a:effectRef>
+          <a:fontRef idx="minor">
+            <a:schemeClr val="lt1"/>
+          </a:fontRef>
+        </p:style>
+        <p:txBody>
+          <a:bodyPr rtlCol="0" anchor="ctr"/>
+          <a:lstStyle/>
+          <a:p>
+            <a:pPr algn="ctr"/>
+            <a:r>
+              <a:rPr lang="de-DE" sz="1100" dirty="0"/>
+              <a:t>Eckpunkte des Schachbretts werden als korrespondierende Punkte indentifiziert</a:t>
+            </a:r>
+          </a:p>
+        </p:txBody>
+      </p:sp>
+      <p:sp>
+        <p:nvSpPr>
+          <p:cNvPr id="38" name="Rectangle: Rounded Corners 37">
+            <a:extLst>
+              <a:ext uri="{FF2B5EF4-FFF2-40B4-BE49-F238E27FC236}">
+                <a16:creationId xmlns:a16="http://schemas.microsoft.com/office/drawing/2014/main" id="{F632DC5D-987C-458B-B6CD-CB23B3F535F3}"/>
+              </a:ext>
+            </a:extLst>
+          </p:cNvPr>
+          <p:cNvSpPr/>
+          <p:nvPr/>
+        </p:nvSpPr>
+        <p:spPr>
+          <a:xfrm>
+            <a:off x="4933127" y="2919370"/>
+            <a:ext cx="1295882" cy="1317070"/>
+          </a:xfrm>
+          <a:prstGeom prst="roundRect">
+            <a:avLst/>
+          </a:prstGeom>
+          <a:solidFill>
+            <a:schemeClr val="accent1">
+              <a:lumMod val="60000"/>
+              <a:lumOff val="40000"/>
+            </a:schemeClr>
+          </a:solidFill>
+        </p:spPr>
+        <p:style>
+          <a:lnRef idx="2">
+            <a:schemeClr val="accent1">
+              <a:shade val="50000"/>
+            </a:schemeClr>
+          </a:lnRef>
+          <a:fillRef idx="1">
+            <a:schemeClr val="accent1"/>
+          </a:fillRef>
+          <a:effectRef idx="0">
+            <a:schemeClr val="accent1"/>
+          </a:effectRef>
+          <a:fontRef idx="minor">
+            <a:schemeClr val="lt1"/>
+          </a:fontRef>
+        </p:style>
+        <p:txBody>
+          <a:bodyPr rtlCol="0" anchor="ctr"/>
+          <a:lstStyle/>
+          <a:p>
+            <a:pPr algn="ctr"/>
+            <a:r>
+              <a:rPr lang="de-DE" sz="1100" dirty="0"/>
+              <a:t>Schätzen der Fundamental-matrix</a:t>
+            </a:r>
+          </a:p>
+        </p:txBody>
+      </p:sp>
+      <p:sp>
+        <p:nvSpPr>
+          <p:cNvPr id="39" name="TextBox 38">
+            <a:extLst>
+              <a:ext uri="{FF2B5EF4-FFF2-40B4-BE49-F238E27FC236}">
+                <a16:creationId xmlns:a16="http://schemas.microsoft.com/office/drawing/2014/main" id="{72769E65-3E2A-4148-B93D-92D32284D1FE}"/>
+              </a:ext>
+            </a:extLst>
+          </p:cNvPr>
+          <p:cNvSpPr txBox="1"/>
+          <p:nvPr/>
+        </p:nvSpPr>
+        <p:spPr>
+          <a:xfrm>
+            <a:off x="351126" y="1594349"/>
+            <a:ext cx="1295882" cy="600164"/>
+          </a:xfrm>
+          <a:prstGeom prst="rect">
+            <a:avLst/>
+          </a:prstGeom>
+          <a:noFill/>
+        </p:spPr>
+        <p:txBody>
+          <a:bodyPr wrap="square" rtlCol="0">
+            <a:spAutoFit/>
+          </a:bodyPr>
+          <a:lstStyle/>
+          <a:p>
+            <a:r>
+              <a:rPr lang="de-DE" sz="1100" dirty="0"/>
+              <a:t>Ansatz:</a:t>
+            </a:r>
+          </a:p>
+          <a:p>
+            <a:r>
+              <a:rPr lang="de-DE" sz="1100" dirty="0"/>
+              <a:t>Unkalibrierter Fall</a:t>
+            </a:r>
+          </a:p>
+          <a:p>
+            <a:endParaRPr lang="de-DE" sz="1100" dirty="0"/>
+          </a:p>
+        </p:txBody>
+      </p:sp>
+      <p:sp>
+        <p:nvSpPr>
+          <p:cNvPr id="40" name="TextBox 39">
+            <a:extLst>
+              <a:ext uri="{FF2B5EF4-FFF2-40B4-BE49-F238E27FC236}">
+                <a16:creationId xmlns:a16="http://schemas.microsoft.com/office/drawing/2014/main" id="{2F8696F6-37FE-4EB7-B348-43C4AE7D0B74}"/>
+              </a:ext>
+            </a:extLst>
+          </p:cNvPr>
+          <p:cNvSpPr txBox="1"/>
+          <p:nvPr/>
+        </p:nvSpPr>
+        <p:spPr>
+          <a:xfrm>
+            <a:off x="3506351" y="1393186"/>
+            <a:ext cx="1295882" cy="769441"/>
+          </a:xfrm>
+          <a:prstGeom prst="rect">
+            <a:avLst/>
+          </a:prstGeom>
+          <a:noFill/>
+        </p:spPr>
+        <p:txBody>
+          <a:bodyPr wrap="square" rtlCol="0">
+            <a:spAutoFit/>
+          </a:bodyPr>
+          <a:lstStyle/>
+          <a:p>
+            <a:r>
+              <a:rPr lang="de-DE" sz="1100" dirty="0"/>
+              <a:t>Detektieren korrespon-dierender Punkte</a:t>
+            </a:r>
+          </a:p>
+          <a:p>
+            <a:endParaRPr lang="de-DE" sz="1100" dirty="0"/>
+          </a:p>
+        </p:txBody>
+      </p:sp>
+      <p:sp>
+        <p:nvSpPr>
+          <p:cNvPr id="41" name="TextBox 40">
+            <a:extLst>
+              <a:ext uri="{FF2B5EF4-FFF2-40B4-BE49-F238E27FC236}">
+                <a16:creationId xmlns:a16="http://schemas.microsoft.com/office/drawing/2014/main" id="{3BBAFCB1-0968-4701-9FCA-3788A35479B6}"/>
+              </a:ext>
+            </a:extLst>
+          </p:cNvPr>
+          <p:cNvSpPr txBox="1"/>
+          <p:nvPr/>
+        </p:nvSpPr>
+        <p:spPr>
+          <a:xfrm>
+            <a:off x="4926716" y="1330438"/>
+            <a:ext cx="1295882" cy="877163"/>
+          </a:xfrm>
+          <a:prstGeom prst="rect">
+            <a:avLst/>
+          </a:prstGeom>
+          <a:noFill/>
+        </p:spPr>
+        <p:txBody>
+          <a:bodyPr wrap="square" rtlCol="0">
+            <a:spAutoFit/>
+          </a:bodyPr>
+          <a:lstStyle/>
+          <a:p>
+            <a:r>
+              <a:rPr lang="de-DE" sz="1100" dirty="0"/>
+              <a:t>Aufstellen der Koeffizienten-matrix</a:t>
+            </a:r>
+          </a:p>
+          <a:p>
+            <a:endParaRPr lang="de-DE" dirty="0"/>
+          </a:p>
+        </p:txBody>
+      </p:sp>
+      <p:sp>
+        <p:nvSpPr>
+          <p:cNvPr id="42" name="Rectangle: Rounded Corners 41">
+            <a:extLst>
+              <a:ext uri="{FF2B5EF4-FFF2-40B4-BE49-F238E27FC236}">
+                <a16:creationId xmlns:a16="http://schemas.microsoft.com/office/drawing/2014/main" id="{72ED12CF-7F29-486B-93E7-224F3CF23414}"/>
+              </a:ext>
+            </a:extLst>
+          </p:cNvPr>
+          <p:cNvSpPr/>
+          <p:nvPr/>
+        </p:nvSpPr>
+        <p:spPr>
+          <a:xfrm>
+            <a:off x="7683267" y="2969461"/>
+            <a:ext cx="1050024" cy="1179943"/>
+          </a:xfrm>
+          <a:prstGeom prst="roundRect">
+            <a:avLst/>
+          </a:prstGeom>
+          <a:solidFill>
+            <a:schemeClr val="accent1">
+              <a:lumMod val="60000"/>
+              <a:lumOff val="40000"/>
+            </a:schemeClr>
+          </a:solidFill>
+        </p:spPr>
+        <p:style>
+          <a:lnRef idx="2">
+            <a:schemeClr val="accent1">
+              <a:shade val="50000"/>
+            </a:schemeClr>
+          </a:lnRef>
+          <a:fillRef idx="1">
+            <a:schemeClr val="accent1"/>
+          </a:fillRef>
+          <a:effectRef idx="0">
+            <a:schemeClr val="accent1"/>
+          </a:effectRef>
+          <a:fontRef idx="minor">
+            <a:schemeClr val="lt1"/>
+          </a:fontRef>
+        </p:style>
+        <p:txBody>
+          <a:bodyPr rtlCol="0" anchor="ctr"/>
+          <a:lstStyle/>
+          <a:p>
+            <a:pPr algn="ctr"/>
+            <a:r>
+              <a:rPr lang="de-DE" sz="1100" dirty="0"/>
+              <a:t>Eliminierung der geome-trischen Verzerrung beider Bilder zueinandern</a:t>
+            </a:r>
+          </a:p>
+        </p:txBody>
+      </p:sp>
+      <p:sp>
+        <p:nvSpPr>
+          <p:cNvPr id="44" name="Rectangle: Rounded Corners 43">
+            <a:extLst>
+              <a:ext uri="{FF2B5EF4-FFF2-40B4-BE49-F238E27FC236}">
+                <a16:creationId xmlns:a16="http://schemas.microsoft.com/office/drawing/2014/main" id="{0AC042BF-65EA-43DC-ADE1-199823DAA7E6}"/>
+              </a:ext>
+            </a:extLst>
+          </p:cNvPr>
+          <p:cNvSpPr/>
+          <p:nvPr/>
+        </p:nvSpPr>
+        <p:spPr>
+          <a:xfrm>
+            <a:off x="6427268" y="2638042"/>
+            <a:ext cx="1050024" cy="2057774"/>
+          </a:xfrm>
+          <a:prstGeom prst="roundRect">
+            <a:avLst/>
+          </a:prstGeom>
+          <a:solidFill>
+            <a:schemeClr val="accent1">
+              <a:lumMod val="60000"/>
+              <a:lumOff val="40000"/>
+            </a:schemeClr>
+          </a:solidFill>
+        </p:spPr>
+        <p:style>
+          <a:lnRef idx="2">
+            <a:schemeClr val="accent1">
+              <a:shade val="50000"/>
+            </a:schemeClr>
+          </a:lnRef>
+          <a:fillRef idx="1">
+            <a:schemeClr val="accent1"/>
+          </a:fillRef>
+          <a:effectRef idx="0">
+            <a:schemeClr val="accent1"/>
+          </a:effectRef>
+          <a:fontRef idx="minor">
+            <a:schemeClr val="lt1"/>
+          </a:fontRef>
+        </p:style>
+        <p:txBody>
+          <a:bodyPr rtlCol="0" anchor="ctr"/>
+          <a:lstStyle/>
+          <a:p>
+            <a:pPr algn="ctr"/>
+            <a:r>
+              <a:rPr lang="de-DE" sz="1100" dirty="0"/>
+              <a:t>Mit der Fundamentalmatrix alleine ist es möglich die Projektions-matrizen bis auf ihre projektive Komponeten zu ermitteln</a:t>
+            </a:r>
+          </a:p>
+        </p:txBody>
+      </p:sp>
+      <p:sp>
+        <p:nvSpPr>
+          <p:cNvPr id="45" name="Rectangle: Rounded Corners 44">
+            <a:extLst>
+              <a:ext uri="{FF2B5EF4-FFF2-40B4-BE49-F238E27FC236}">
+                <a16:creationId xmlns:a16="http://schemas.microsoft.com/office/drawing/2014/main" id="{4328F198-A780-4B44-8AE4-02DBB7CD41A7}"/>
+              </a:ext>
+            </a:extLst>
+          </p:cNvPr>
+          <p:cNvSpPr/>
+          <p:nvPr/>
+        </p:nvSpPr>
+        <p:spPr>
+          <a:xfrm>
+            <a:off x="10246097" y="2919370"/>
+            <a:ext cx="1173063" cy="1315927"/>
+          </a:xfrm>
+          <a:prstGeom prst="roundRect">
+            <a:avLst/>
+          </a:prstGeom>
+          <a:solidFill>
+            <a:schemeClr val="accent1">
+              <a:lumMod val="60000"/>
+              <a:lumOff val="40000"/>
+            </a:schemeClr>
+          </a:solidFill>
+        </p:spPr>
+        <p:style>
+          <a:lnRef idx="2">
+            <a:schemeClr val="accent1">
+              <a:shade val="50000"/>
+            </a:schemeClr>
+          </a:lnRef>
+          <a:fillRef idx="1">
+            <a:schemeClr val="accent1"/>
+          </a:fillRef>
+          <a:effectRef idx="0">
+            <a:schemeClr val="accent1"/>
+          </a:effectRef>
+          <a:fontRef idx="minor">
+            <a:schemeClr val="lt1"/>
+          </a:fontRef>
+        </p:style>
+        <p:txBody>
+          <a:bodyPr rtlCol="0" anchor="ctr"/>
+          <a:lstStyle/>
+          <a:p>
+            <a:pPr algn="ctr"/>
+            <a:r>
+              <a:rPr lang="de-DE" sz="1100" dirty="0"/>
+              <a:t>Über die Tiefeninfor-mationen der Disparity-Map kann die Szene rekonstruiert werden</a:t>
+            </a:r>
+          </a:p>
+        </p:txBody>
+      </p:sp>
+      <p:sp>
+        <p:nvSpPr>
+          <p:cNvPr id="47" name="TextBox 46">
+            <a:extLst>
+              <a:ext uri="{FF2B5EF4-FFF2-40B4-BE49-F238E27FC236}">
+                <a16:creationId xmlns:a16="http://schemas.microsoft.com/office/drawing/2014/main" id="{C1EA3539-A685-4B80-9024-41CBBD44CA62}"/>
+              </a:ext>
+            </a:extLst>
+          </p:cNvPr>
+          <p:cNvSpPr txBox="1"/>
+          <p:nvPr/>
+        </p:nvSpPr>
+        <p:spPr>
+          <a:xfrm>
+            <a:off x="7560336" y="1330438"/>
+            <a:ext cx="1295882" cy="877163"/>
+          </a:xfrm>
+          <a:prstGeom prst="rect">
+            <a:avLst/>
+          </a:prstGeom>
+          <a:noFill/>
+        </p:spPr>
+        <p:txBody>
+          <a:bodyPr wrap="square" rtlCol="0">
+            <a:spAutoFit/>
+          </a:bodyPr>
+          <a:lstStyle/>
+          <a:p>
+            <a:r>
+              <a:rPr lang="de-DE" sz="1100" dirty="0"/>
+              <a:t>Rektifizieren der beiden beiden Bilder</a:t>
+            </a:r>
+          </a:p>
+          <a:p>
+            <a:endParaRPr lang="de-DE" dirty="0"/>
+          </a:p>
+        </p:txBody>
+      </p:sp>
+      <p:sp>
+        <p:nvSpPr>
+          <p:cNvPr id="48" name="TextBox 47">
+            <a:extLst>
+              <a:ext uri="{FF2B5EF4-FFF2-40B4-BE49-F238E27FC236}">
+                <a16:creationId xmlns:a16="http://schemas.microsoft.com/office/drawing/2014/main" id="{A3D15BBB-FE30-4621-A8B7-DB3ED6C9A39F}"/>
+              </a:ext>
+            </a:extLst>
+          </p:cNvPr>
+          <p:cNvSpPr txBox="1"/>
+          <p:nvPr/>
+        </p:nvSpPr>
+        <p:spPr>
+          <a:xfrm>
+            <a:off x="10184686" y="1330437"/>
+            <a:ext cx="1629423" cy="707886"/>
+          </a:xfrm>
+          <a:prstGeom prst="rect">
+            <a:avLst/>
+          </a:prstGeom>
+          <a:noFill/>
+        </p:spPr>
+        <p:txBody>
+          <a:bodyPr wrap="square" rtlCol="0">
+            <a:spAutoFit/>
+          </a:bodyPr>
+          <a:lstStyle/>
+          <a:p>
+            <a:r>
+              <a:rPr lang="de-DE" sz="1100" dirty="0"/>
+              <a:t>Rekonstruktion der Szene</a:t>
+            </a:r>
+          </a:p>
+          <a:p>
+            <a:endParaRPr lang="de-DE" dirty="0"/>
+          </a:p>
+        </p:txBody>
+      </p:sp>
+      <p:sp>
+        <p:nvSpPr>
+          <p:cNvPr id="49" name="TextBox 48">
+            <a:extLst>
+              <a:ext uri="{FF2B5EF4-FFF2-40B4-BE49-F238E27FC236}">
+                <a16:creationId xmlns:a16="http://schemas.microsoft.com/office/drawing/2014/main" id="{78CA0A0D-ADB4-4F69-B2FE-307D9CF8877E}"/>
+              </a:ext>
+            </a:extLst>
+          </p:cNvPr>
+          <p:cNvSpPr txBox="1"/>
+          <p:nvPr/>
+        </p:nvSpPr>
+        <p:spPr>
+          <a:xfrm>
+            <a:off x="6306296" y="1429318"/>
+            <a:ext cx="1295882" cy="877163"/>
+          </a:xfrm>
+          <a:prstGeom prst="rect">
+            <a:avLst/>
+          </a:prstGeom>
+          <a:noFill/>
+        </p:spPr>
+        <p:txBody>
+          <a:bodyPr wrap="square" rtlCol="0">
+            <a:spAutoFit/>
+          </a:bodyPr>
+          <a:lstStyle/>
+          <a:p>
+            <a:r>
+              <a:rPr lang="de-DE" sz="1100" dirty="0"/>
+              <a:t>Rekonstruktion der Projektions-matrizen</a:t>
+            </a:r>
+          </a:p>
+          <a:p>
+            <a:endParaRPr lang="de-DE" dirty="0"/>
+          </a:p>
+        </p:txBody>
+      </p:sp>
+      <p:sp>
+        <p:nvSpPr>
+          <p:cNvPr id="50" name="TextBox 49">
+            <a:extLst>
+              <a:ext uri="{FF2B5EF4-FFF2-40B4-BE49-F238E27FC236}">
+                <a16:creationId xmlns:a16="http://schemas.microsoft.com/office/drawing/2014/main" id="{29679A39-15BC-44EE-BA13-091E48225AAA}"/>
+              </a:ext>
+            </a:extLst>
+          </p:cNvPr>
+          <p:cNvSpPr txBox="1"/>
+          <p:nvPr/>
+        </p:nvSpPr>
+        <p:spPr>
+          <a:xfrm>
+            <a:off x="2002980" y="1594349"/>
+            <a:ext cx="1295882" cy="600164"/>
+          </a:xfrm>
+          <a:prstGeom prst="rect">
+            <a:avLst/>
+          </a:prstGeom>
+          <a:noFill/>
+        </p:spPr>
+        <p:txBody>
+          <a:bodyPr wrap="square" rtlCol="0">
+            <a:spAutoFit/>
+          </a:bodyPr>
+          <a:lstStyle/>
+          <a:p>
+            <a:r>
+              <a:rPr lang="de-DE" sz="1100" dirty="0"/>
+              <a:t>Aufbau des Stereo-Set-Ups</a:t>
+            </a:r>
+          </a:p>
+          <a:p>
+            <a:endParaRPr lang="de-DE" sz="1100" dirty="0"/>
+          </a:p>
+        </p:txBody>
+      </p:sp>
+      <p:cxnSp>
+        <p:nvCxnSpPr>
+          <p:cNvPr id="51" name="Straight Arrow Connector 50">
+            <a:extLst>
+              <a:ext uri="{FF2B5EF4-FFF2-40B4-BE49-F238E27FC236}">
+                <a16:creationId xmlns:a16="http://schemas.microsoft.com/office/drawing/2014/main" id="{889992D8-CF1D-4D20-A5F1-7AF60B95E7F5}"/>
+              </a:ext>
+            </a:extLst>
+          </p:cNvPr>
+          <p:cNvCxnSpPr>
+            <a:cxnSpLocks/>
+            <a:stCxn id="35" idx="3"/>
+            <a:endCxn id="36" idx="1"/>
+          </p:cNvCxnSpPr>
+          <p:nvPr/>
+        </p:nvCxnSpPr>
+        <p:spPr>
+          <a:xfrm>
+            <a:off x="1571080" y="3559433"/>
+            <a:ext cx="291276" cy="0"/>
+          </a:xfrm>
+          <a:prstGeom prst="straightConnector1">
+            <a:avLst/>
+          </a:prstGeom>
+          <a:ln>
+            <a:tailEnd type="triangle"/>
+          </a:ln>
+        </p:spPr>
+        <p:style>
+          <a:lnRef idx="1">
+            <a:schemeClr val="accent1"/>
+          </a:lnRef>
+          <a:fillRef idx="0">
+            <a:schemeClr val="accent1"/>
+          </a:fillRef>
+          <a:effectRef idx="0">
+            <a:schemeClr val="accent1"/>
+          </a:effectRef>
+          <a:fontRef idx="minor">
+            <a:schemeClr val="tx1"/>
+          </a:fontRef>
+        </p:style>
+      </p:cxnSp>
+      <p:cxnSp>
+        <p:nvCxnSpPr>
+          <p:cNvPr id="52" name="Straight Arrow Connector 51">
+            <a:extLst>
+              <a:ext uri="{FF2B5EF4-FFF2-40B4-BE49-F238E27FC236}">
+                <a16:creationId xmlns:a16="http://schemas.microsoft.com/office/drawing/2014/main" id="{A44D9E12-1959-4DE3-8A07-B6B7A40CCF6C}"/>
+              </a:ext>
+            </a:extLst>
+          </p:cNvPr>
+          <p:cNvCxnSpPr>
+            <a:cxnSpLocks/>
+            <a:stCxn id="36" idx="3"/>
+            <a:endCxn id="37" idx="1"/>
+          </p:cNvCxnSpPr>
+          <p:nvPr/>
+        </p:nvCxnSpPr>
+        <p:spPr>
+          <a:xfrm flipV="1">
+            <a:off x="3439487" y="3559432"/>
+            <a:ext cx="203035" cy="1"/>
+          </a:xfrm>
+          <a:prstGeom prst="straightConnector1">
+            <a:avLst/>
+          </a:prstGeom>
+          <a:ln>
+            <a:tailEnd type="triangle"/>
+          </a:ln>
+        </p:spPr>
+        <p:style>
+          <a:lnRef idx="1">
+            <a:schemeClr val="accent1"/>
+          </a:lnRef>
+          <a:fillRef idx="0">
+            <a:schemeClr val="accent1"/>
+          </a:fillRef>
+          <a:effectRef idx="0">
+            <a:schemeClr val="accent1"/>
+          </a:effectRef>
+          <a:fontRef idx="minor">
+            <a:schemeClr val="tx1"/>
+          </a:fontRef>
+        </p:style>
+      </p:cxnSp>
+      <p:cxnSp>
+        <p:nvCxnSpPr>
+          <p:cNvPr id="53" name="Straight Arrow Connector 52">
+            <a:extLst>
+              <a:ext uri="{FF2B5EF4-FFF2-40B4-BE49-F238E27FC236}">
+                <a16:creationId xmlns:a16="http://schemas.microsoft.com/office/drawing/2014/main" id="{AE2D909D-5FE5-44D9-819B-ECACCEA02EA6}"/>
+              </a:ext>
+            </a:extLst>
+          </p:cNvPr>
+          <p:cNvCxnSpPr>
+            <a:cxnSpLocks/>
+            <a:stCxn id="37" idx="3"/>
+            <a:endCxn id="38" idx="1"/>
+          </p:cNvCxnSpPr>
+          <p:nvPr/>
+        </p:nvCxnSpPr>
+        <p:spPr>
+          <a:xfrm>
+            <a:off x="4699503" y="3559432"/>
+            <a:ext cx="233624" cy="18473"/>
+          </a:xfrm>
+          <a:prstGeom prst="straightConnector1">
+            <a:avLst/>
+          </a:prstGeom>
+          <a:ln>
+            <a:tailEnd type="triangle"/>
+          </a:ln>
+        </p:spPr>
+        <p:style>
+          <a:lnRef idx="1">
+            <a:schemeClr val="accent1"/>
+          </a:lnRef>
+          <a:fillRef idx="0">
+            <a:schemeClr val="accent1"/>
+          </a:fillRef>
+          <a:effectRef idx="0">
+            <a:schemeClr val="accent1"/>
+          </a:effectRef>
+          <a:fontRef idx="minor">
+            <a:schemeClr val="tx1"/>
+          </a:fontRef>
+        </p:style>
+      </p:cxnSp>
+      <p:cxnSp>
+        <p:nvCxnSpPr>
+          <p:cNvPr id="57" name="Straight Arrow Connector 56">
+            <a:extLst>
+              <a:ext uri="{FF2B5EF4-FFF2-40B4-BE49-F238E27FC236}">
+                <a16:creationId xmlns:a16="http://schemas.microsoft.com/office/drawing/2014/main" id="{04DD85D4-A9C2-4C3F-9F16-CB7CC6A6DE2C}"/>
+              </a:ext>
+            </a:extLst>
+          </p:cNvPr>
+          <p:cNvCxnSpPr>
+            <a:cxnSpLocks/>
+            <a:stCxn id="42" idx="3"/>
+          </p:cNvCxnSpPr>
+          <p:nvPr/>
+        </p:nvCxnSpPr>
+        <p:spPr>
+          <a:xfrm>
+            <a:off x="8733291" y="3559433"/>
+            <a:ext cx="227817" cy="3090"/>
+          </a:xfrm>
+          <a:prstGeom prst="straightConnector1">
+            <a:avLst/>
+          </a:prstGeom>
+          <a:ln>
+            <a:tailEnd type="triangle"/>
+          </a:ln>
+        </p:spPr>
+        <p:style>
+          <a:lnRef idx="1">
+            <a:schemeClr val="accent1"/>
+          </a:lnRef>
+          <a:fillRef idx="0">
+            <a:schemeClr val="accent1"/>
+          </a:fillRef>
+          <a:effectRef idx="0">
+            <a:schemeClr val="accent1"/>
+          </a:effectRef>
+          <a:fontRef idx="minor">
+            <a:schemeClr val="tx1"/>
+          </a:fontRef>
+        </p:style>
+      </p:cxnSp>
+      <p:cxnSp>
+        <p:nvCxnSpPr>
+          <p:cNvPr id="58" name="Straight Arrow Connector 57">
+            <a:extLst>
+              <a:ext uri="{FF2B5EF4-FFF2-40B4-BE49-F238E27FC236}">
+                <a16:creationId xmlns:a16="http://schemas.microsoft.com/office/drawing/2014/main" id="{21B5ECDE-050F-463E-91EF-9FBD97BA56EB}"/>
+              </a:ext>
+            </a:extLst>
+          </p:cNvPr>
+          <p:cNvCxnSpPr>
+            <a:cxnSpLocks/>
+            <a:endCxn id="44" idx="1"/>
+          </p:cNvCxnSpPr>
+          <p:nvPr/>
+        </p:nvCxnSpPr>
+        <p:spPr>
+          <a:xfrm>
+            <a:off x="6218865" y="3663481"/>
+            <a:ext cx="208403" cy="3448"/>
+          </a:xfrm>
+          <a:prstGeom prst="straightConnector1">
+            <a:avLst/>
+          </a:prstGeom>
+          <a:ln>
+            <a:tailEnd type="triangle"/>
+          </a:ln>
+        </p:spPr>
+        <p:style>
+          <a:lnRef idx="1">
+            <a:schemeClr val="accent1"/>
+          </a:lnRef>
+          <a:fillRef idx="0">
+            <a:schemeClr val="accent1"/>
+          </a:fillRef>
+          <a:effectRef idx="0">
+            <a:schemeClr val="accent1"/>
+          </a:effectRef>
+          <a:fontRef idx="minor">
+            <a:schemeClr val="tx1"/>
+          </a:fontRef>
+        </p:style>
+      </p:cxnSp>
+      <p:cxnSp>
+        <p:nvCxnSpPr>
+          <p:cNvPr id="60" name="Straight Connector 59">
+            <a:extLst>
+              <a:ext uri="{FF2B5EF4-FFF2-40B4-BE49-F238E27FC236}">
+                <a16:creationId xmlns:a16="http://schemas.microsoft.com/office/drawing/2014/main" id="{F5D2ADCA-A1EA-401C-A320-BC01D19A0CCF}"/>
+              </a:ext>
+            </a:extLst>
+          </p:cNvPr>
+          <p:cNvCxnSpPr/>
+          <p:nvPr/>
+        </p:nvCxnSpPr>
+        <p:spPr>
+          <a:xfrm>
+            <a:off x="1750498" y="1214399"/>
+            <a:ext cx="0" cy="4286774"/>
+          </a:xfrm>
+          <a:prstGeom prst="line">
+            <a:avLst/>
+          </a:prstGeom>
+          <a:ln w="9525" cap="flat" cmpd="sng" algn="ctr">
+            <a:solidFill>
+              <a:schemeClr val="accent1"/>
+            </a:solidFill>
+            <a:prstDash val="dash"/>
+            <a:round/>
+            <a:headEnd type="none" w="med" len="med"/>
+            <a:tailEnd type="none" w="med" len="med"/>
+          </a:ln>
+        </p:spPr>
+        <p:style>
+          <a:lnRef idx="0">
+            <a:scrgbClr r="0" g="0" b="0"/>
+          </a:lnRef>
+          <a:fillRef idx="0">
+            <a:scrgbClr r="0" g="0" b="0"/>
+          </a:fillRef>
+          <a:effectRef idx="0">
+            <a:scrgbClr r="0" g="0" b="0"/>
+          </a:effectRef>
+          <a:fontRef idx="minor">
+            <a:schemeClr val="tx1"/>
+          </a:fontRef>
+        </p:style>
+      </p:cxnSp>
+      <p:cxnSp>
+        <p:nvCxnSpPr>
+          <p:cNvPr id="61" name="Straight Connector 60">
+            <a:extLst>
+              <a:ext uri="{FF2B5EF4-FFF2-40B4-BE49-F238E27FC236}">
+                <a16:creationId xmlns:a16="http://schemas.microsoft.com/office/drawing/2014/main" id="{0BD09133-622F-4B4D-967D-D8612E0E554E}"/>
+              </a:ext>
+            </a:extLst>
+          </p:cNvPr>
+          <p:cNvCxnSpPr/>
+          <p:nvPr/>
+        </p:nvCxnSpPr>
+        <p:spPr>
+          <a:xfrm>
+            <a:off x="3534668" y="1208014"/>
+            <a:ext cx="0" cy="4286774"/>
+          </a:xfrm>
+          <a:prstGeom prst="line">
+            <a:avLst/>
+          </a:prstGeom>
+          <a:ln w="9525" cap="flat" cmpd="sng" algn="ctr">
+            <a:solidFill>
+              <a:schemeClr val="accent1"/>
+            </a:solidFill>
+            <a:prstDash val="dash"/>
+            <a:round/>
+            <a:headEnd type="none" w="med" len="med"/>
+            <a:tailEnd type="none" w="med" len="med"/>
+          </a:ln>
+        </p:spPr>
+        <p:style>
+          <a:lnRef idx="0">
+            <a:scrgbClr r="0" g="0" b="0"/>
+          </a:lnRef>
+          <a:fillRef idx="0">
+            <a:scrgbClr r="0" g="0" b="0"/>
+          </a:fillRef>
+          <a:effectRef idx="0">
+            <a:scrgbClr r="0" g="0" b="0"/>
+          </a:effectRef>
+          <a:fontRef idx="minor">
+            <a:schemeClr val="tx1"/>
+          </a:fontRef>
+        </p:style>
+      </p:cxnSp>
+      <p:cxnSp>
+        <p:nvCxnSpPr>
+          <p:cNvPr id="62" name="Straight Connector 61">
+            <a:extLst>
+              <a:ext uri="{FF2B5EF4-FFF2-40B4-BE49-F238E27FC236}">
+                <a16:creationId xmlns:a16="http://schemas.microsoft.com/office/drawing/2014/main" id="{34D54C50-ADAB-47F2-ABAB-9EBE682DB9B0}"/>
+              </a:ext>
+            </a:extLst>
+          </p:cNvPr>
+          <p:cNvCxnSpPr/>
+          <p:nvPr/>
+        </p:nvCxnSpPr>
+        <p:spPr>
+          <a:xfrm>
+            <a:off x="4796641" y="1208014"/>
+            <a:ext cx="0" cy="4286774"/>
+          </a:xfrm>
+          <a:prstGeom prst="line">
+            <a:avLst/>
+          </a:prstGeom>
+          <a:ln w="9525" cap="flat" cmpd="sng" algn="ctr">
+            <a:solidFill>
+              <a:schemeClr val="accent1"/>
+            </a:solidFill>
+            <a:prstDash val="dash"/>
+            <a:round/>
+            <a:headEnd type="none" w="med" len="med"/>
+            <a:tailEnd type="none" w="med" len="med"/>
+          </a:ln>
+        </p:spPr>
+        <p:style>
+          <a:lnRef idx="0">
+            <a:scrgbClr r="0" g="0" b="0"/>
+          </a:lnRef>
+          <a:fillRef idx="0">
+            <a:scrgbClr r="0" g="0" b="0"/>
+          </a:fillRef>
+          <a:effectRef idx="0">
+            <a:scrgbClr r="0" g="0" b="0"/>
+          </a:effectRef>
+          <a:fontRef idx="minor">
+            <a:schemeClr val="tx1"/>
+          </a:fontRef>
+        </p:style>
+      </p:cxnSp>
+      <p:cxnSp>
+        <p:nvCxnSpPr>
+          <p:cNvPr id="63" name="Straight Connector 62">
+            <a:extLst>
+              <a:ext uri="{FF2B5EF4-FFF2-40B4-BE49-F238E27FC236}">
+                <a16:creationId xmlns:a16="http://schemas.microsoft.com/office/drawing/2014/main" id="{12081B18-BCD7-4DB9-A482-04F574F8262D}"/>
+              </a:ext>
+            </a:extLst>
+          </p:cNvPr>
+          <p:cNvCxnSpPr/>
+          <p:nvPr/>
+        </p:nvCxnSpPr>
+        <p:spPr>
+          <a:xfrm>
+            <a:off x="6349706" y="1208014"/>
+            <a:ext cx="0" cy="4286774"/>
+          </a:xfrm>
+          <a:prstGeom prst="line">
+            <a:avLst/>
+          </a:prstGeom>
+          <a:ln w="9525" cap="flat" cmpd="sng" algn="ctr">
+            <a:solidFill>
+              <a:schemeClr val="accent1"/>
+            </a:solidFill>
+            <a:prstDash val="dash"/>
+            <a:round/>
+            <a:headEnd type="none" w="med" len="med"/>
+            <a:tailEnd type="none" w="med" len="med"/>
+          </a:ln>
+        </p:spPr>
+        <p:style>
+          <a:lnRef idx="0">
+            <a:scrgbClr r="0" g="0" b="0"/>
+          </a:lnRef>
+          <a:fillRef idx="0">
+            <a:scrgbClr r="0" g="0" b="0"/>
+          </a:fillRef>
+          <a:effectRef idx="0">
+            <a:scrgbClr r="0" g="0" b="0"/>
+          </a:effectRef>
+          <a:fontRef idx="minor">
+            <a:schemeClr val="tx1"/>
+          </a:fontRef>
+        </p:style>
+      </p:cxnSp>
+      <p:cxnSp>
+        <p:nvCxnSpPr>
+          <p:cNvPr id="64" name="Straight Connector 63">
+            <a:extLst>
+              <a:ext uri="{FF2B5EF4-FFF2-40B4-BE49-F238E27FC236}">
+                <a16:creationId xmlns:a16="http://schemas.microsoft.com/office/drawing/2014/main" id="{4C811492-EE61-4858-8780-42A17EB86736}"/>
+              </a:ext>
+            </a:extLst>
+          </p:cNvPr>
+          <p:cNvCxnSpPr/>
+          <p:nvPr/>
+        </p:nvCxnSpPr>
+        <p:spPr>
+          <a:xfrm>
+            <a:off x="7579149" y="1208014"/>
+            <a:ext cx="0" cy="4286774"/>
+          </a:xfrm>
+          <a:prstGeom prst="line">
+            <a:avLst/>
+          </a:prstGeom>
+          <a:ln w="9525" cap="flat" cmpd="sng" algn="ctr">
+            <a:solidFill>
+              <a:schemeClr val="accent1"/>
+            </a:solidFill>
+            <a:prstDash val="dash"/>
+            <a:round/>
+            <a:headEnd type="none" w="med" len="med"/>
+            <a:tailEnd type="none" w="med" len="med"/>
+          </a:ln>
+        </p:spPr>
+        <p:style>
+          <a:lnRef idx="0">
+            <a:scrgbClr r="0" g="0" b="0"/>
+          </a:lnRef>
+          <a:fillRef idx="0">
+            <a:scrgbClr r="0" g="0" b="0"/>
+          </a:fillRef>
+          <a:effectRef idx="0">
+            <a:scrgbClr r="0" g="0" b="0"/>
+          </a:effectRef>
+          <a:fontRef idx="minor">
+            <a:schemeClr val="tx1"/>
+          </a:fontRef>
+        </p:style>
+      </p:cxnSp>
+      <p:cxnSp>
+        <p:nvCxnSpPr>
+          <p:cNvPr id="65" name="Straight Connector 64">
+            <a:extLst>
+              <a:ext uri="{FF2B5EF4-FFF2-40B4-BE49-F238E27FC236}">
+                <a16:creationId xmlns:a16="http://schemas.microsoft.com/office/drawing/2014/main" id="{6DA3B9F2-EEB5-4C47-8B8C-ED79662C17D7}"/>
+              </a:ext>
+            </a:extLst>
+          </p:cNvPr>
+          <p:cNvCxnSpPr/>
+          <p:nvPr/>
+        </p:nvCxnSpPr>
+        <p:spPr>
+          <a:xfrm>
+            <a:off x="8856991" y="1214399"/>
+            <a:ext cx="0" cy="4286774"/>
+          </a:xfrm>
+          <a:prstGeom prst="line">
+            <a:avLst/>
+          </a:prstGeom>
+          <a:ln w="9525" cap="flat" cmpd="sng" algn="ctr">
+            <a:solidFill>
+              <a:schemeClr val="accent1"/>
+            </a:solidFill>
+            <a:prstDash val="dash"/>
+            <a:round/>
+            <a:headEnd type="none" w="med" len="med"/>
+            <a:tailEnd type="none" w="med" len="med"/>
+          </a:ln>
+        </p:spPr>
+        <p:style>
+          <a:lnRef idx="0">
+            <a:scrgbClr r="0" g="0" b="0"/>
+          </a:lnRef>
+          <a:fillRef idx="0">
+            <a:scrgbClr r="0" g="0" b="0"/>
+          </a:fillRef>
+          <a:effectRef idx="0">
+            <a:scrgbClr r="0" g="0" b="0"/>
+          </a:effectRef>
+          <a:fontRef idx="minor">
+            <a:schemeClr val="tx1"/>
+          </a:fontRef>
+        </p:style>
+      </p:cxnSp>
+      <p:cxnSp>
+        <p:nvCxnSpPr>
+          <p:cNvPr id="66" name="Straight Connector 65">
+            <a:extLst>
+              <a:ext uri="{FF2B5EF4-FFF2-40B4-BE49-F238E27FC236}">
+                <a16:creationId xmlns:a16="http://schemas.microsoft.com/office/drawing/2014/main" id="{DCB72115-60DD-484A-AE94-F1CB29D2C70C}"/>
+              </a:ext>
+            </a:extLst>
+          </p:cNvPr>
+          <p:cNvCxnSpPr/>
+          <p:nvPr/>
+        </p:nvCxnSpPr>
+        <p:spPr>
+          <a:xfrm>
+            <a:off x="10137042" y="1214399"/>
+            <a:ext cx="0" cy="4286774"/>
+          </a:xfrm>
+          <a:prstGeom prst="line">
+            <a:avLst/>
+          </a:prstGeom>
+          <a:ln w="9525" cap="flat" cmpd="sng" algn="ctr">
+            <a:solidFill>
+              <a:schemeClr val="accent1"/>
+            </a:solidFill>
+            <a:prstDash val="dash"/>
+            <a:round/>
+            <a:headEnd type="none" w="med" len="med"/>
+            <a:tailEnd type="none" w="med" len="med"/>
+          </a:ln>
+        </p:spPr>
+        <p:style>
+          <a:lnRef idx="0">
+            <a:scrgbClr r="0" g="0" b="0"/>
+          </a:lnRef>
+          <a:fillRef idx="0">
+            <a:scrgbClr r="0" g="0" b="0"/>
+          </a:fillRef>
+          <a:effectRef idx="0">
+            <a:scrgbClr r="0" g="0" b="0"/>
+          </a:effectRef>
+          <a:fontRef idx="minor">
+            <a:schemeClr val="tx1"/>
+          </a:fontRef>
+        </p:style>
+      </p:cxnSp>
+      <p:cxnSp>
+        <p:nvCxnSpPr>
+          <p:cNvPr id="67" name="Straight Arrow Connector 66">
+            <a:extLst>
+              <a:ext uri="{FF2B5EF4-FFF2-40B4-BE49-F238E27FC236}">
+                <a16:creationId xmlns:a16="http://schemas.microsoft.com/office/drawing/2014/main" id="{9380234B-9FD7-4995-923F-90DC2CB2BB68}"/>
+              </a:ext>
+            </a:extLst>
+          </p:cNvPr>
+          <p:cNvCxnSpPr/>
+          <p:nvPr/>
+        </p:nvCxnSpPr>
+        <p:spPr>
+          <a:xfrm>
+            <a:off x="10027987" y="3562522"/>
+            <a:ext cx="218110" cy="0"/>
+          </a:xfrm>
+          <a:prstGeom prst="straightConnector1">
+            <a:avLst/>
+          </a:prstGeom>
+          <a:ln>
+            <a:tailEnd type="triangle"/>
+          </a:ln>
+        </p:spPr>
+        <p:style>
+          <a:lnRef idx="1">
+            <a:schemeClr val="accent1"/>
+          </a:lnRef>
+          <a:fillRef idx="0">
+            <a:schemeClr val="accent1"/>
+          </a:fillRef>
+          <a:effectRef idx="0">
+            <a:schemeClr val="accent1"/>
+          </a:effectRef>
+          <a:fontRef idx="minor">
+            <a:schemeClr val="tx1"/>
+          </a:fontRef>
+        </p:style>
+      </p:cxnSp>
+      <p:cxnSp>
+        <p:nvCxnSpPr>
+          <p:cNvPr id="85" name="Straight Arrow Connector 84">
+            <a:extLst>
+              <a:ext uri="{FF2B5EF4-FFF2-40B4-BE49-F238E27FC236}">
+                <a16:creationId xmlns:a16="http://schemas.microsoft.com/office/drawing/2014/main" id="{85400456-59C3-4C84-B235-4F16F5BD80D0}"/>
+              </a:ext>
+            </a:extLst>
+          </p:cNvPr>
+          <p:cNvCxnSpPr>
+            <a:cxnSpLocks/>
+          </p:cNvCxnSpPr>
+          <p:nvPr/>
+        </p:nvCxnSpPr>
+        <p:spPr>
+          <a:xfrm>
+            <a:off x="7506321" y="3666741"/>
+            <a:ext cx="275752" cy="0"/>
+          </a:xfrm>
+          <a:prstGeom prst="straightConnector1">
+            <a:avLst/>
+          </a:prstGeom>
+          <a:ln>
+            <a:tailEnd type="triangle"/>
+          </a:ln>
+        </p:spPr>
+        <p:style>
+          <a:lnRef idx="1">
+            <a:schemeClr val="accent1"/>
+          </a:lnRef>
+          <a:fillRef idx="0">
+            <a:schemeClr val="accent1"/>
+          </a:fillRef>
+          <a:effectRef idx="0">
+            <a:schemeClr val="accent1"/>
+          </a:effectRef>
+          <a:fontRef idx="minor">
+            <a:schemeClr val="tx1"/>
+          </a:fontRef>
+        </p:style>
+      </p:cxnSp>
+      <p:sp>
+        <p:nvSpPr>
+          <p:cNvPr id="99" name="Rectangle: Rounded Corners 98">
+            <a:extLst>
+              <a:ext uri="{FF2B5EF4-FFF2-40B4-BE49-F238E27FC236}">
+                <a16:creationId xmlns:a16="http://schemas.microsoft.com/office/drawing/2014/main" id="{7D1D7952-D25E-47E3-B4C7-073753B25079}"/>
+              </a:ext>
+            </a:extLst>
+          </p:cNvPr>
+          <p:cNvSpPr/>
+          <p:nvPr/>
+        </p:nvSpPr>
+        <p:spPr>
+          <a:xfrm>
+            <a:off x="8969497" y="2638041"/>
+            <a:ext cx="1050024" cy="1848964"/>
+          </a:xfrm>
+          <a:prstGeom prst="roundRect">
+            <a:avLst/>
+          </a:prstGeom>
+          <a:solidFill>
+            <a:schemeClr val="accent1">
+              <a:lumMod val="60000"/>
+              <a:lumOff val="40000"/>
+            </a:schemeClr>
+          </a:solidFill>
+        </p:spPr>
+        <p:style>
+          <a:lnRef idx="2">
+            <a:schemeClr val="accent1">
+              <a:shade val="50000"/>
+            </a:schemeClr>
+          </a:lnRef>
+          <a:fillRef idx="1">
+            <a:schemeClr val="accent1"/>
+          </a:fillRef>
+          <a:effectRef idx="0">
+            <a:schemeClr val="accent1"/>
+          </a:effectRef>
+          <a:fontRef idx="minor">
+            <a:schemeClr val="lt1"/>
+          </a:fontRef>
+        </p:style>
+        <p:txBody>
+          <a:bodyPr rtlCol="0" anchor="ctr"/>
+          <a:lstStyle/>
+          <a:p>
+            <a:pPr algn="ctr"/>
+            <a:r>
+              <a:rPr lang="de-DE" sz="1100" dirty="0"/>
+              <a:t>Der Horizontale Versatz zweier korrespondierender Punkte zueinander gitb auskunft über deren Tiefe </a:t>
+            </a:r>
+          </a:p>
+        </p:txBody>
+      </p:sp>
+      <p:sp>
+        <p:nvSpPr>
+          <p:cNvPr id="100" name="TextBox 99">
+            <a:extLst>
+              <a:ext uri="{FF2B5EF4-FFF2-40B4-BE49-F238E27FC236}">
+                <a16:creationId xmlns:a16="http://schemas.microsoft.com/office/drawing/2014/main" id="{5FE1D4C1-B3AA-42EC-82D8-FA7A4DDD4375}"/>
+              </a:ext>
+            </a:extLst>
+          </p:cNvPr>
+          <p:cNvSpPr txBox="1"/>
+          <p:nvPr/>
+        </p:nvSpPr>
+        <p:spPr>
+          <a:xfrm>
+            <a:off x="8836861" y="1330438"/>
+            <a:ext cx="1295882" cy="707886"/>
+          </a:xfrm>
+          <a:prstGeom prst="rect">
+            <a:avLst/>
+          </a:prstGeom>
+          <a:noFill/>
+        </p:spPr>
+        <p:txBody>
+          <a:bodyPr wrap="square" rtlCol="0">
+            <a:spAutoFit/>
+          </a:bodyPr>
+          <a:lstStyle/>
+          <a:p>
+            <a:r>
+              <a:rPr lang="de-DE" sz="1100" dirty="0"/>
+              <a:t>Erstellen einer Disparity Map</a:t>
+            </a:r>
+          </a:p>
+          <a:p>
+            <a:endParaRPr lang="de-DE" dirty="0"/>
+          </a:p>
+        </p:txBody>
+      </p:sp>
+    </p:spTree>
+    <p:extLst>
+      <p:ext uri="{BB962C8B-B14F-4D97-AF65-F5344CB8AC3E}">
+        <p14:creationId xmlns:p14="http://schemas.microsoft.com/office/powerpoint/2010/main" val="2696333591"/>
       </p:ext>
     </p:extLst>
   </p:cSld>

--- a/Thesis/ThesisArbeit_V3/images/ArbeitsProzessReal.pptx
+++ b/Thesis/ThesisArbeit_V3/images/ArbeitsProzessReal.pptx
@@ -263,7 +263,7 @@
           <a:p>
             <a:fld id="{13040E74-DFDB-44BD-8185-1F7771AED9D8}" type="datetimeFigureOut">
               <a:rPr lang="de-DE" smtClean="0"/>
-              <a:t>07.05.2018</a:t>
+              <a:t>08.05.2018</a:t>
             </a:fld>
             <a:endParaRPr lang="de-DE"/>
           </a:p>
@@ -463,7 +463,7 @@
           <a:p>
             <a:fld id="{13040E74-DFDB-44BD-8185-1F7771AED9D8}" type="datetimeFigureOut">
               <a:rPr lang="de-DE" smtClean="0"/>
-              <a:t>07.05.2018</a:t>
+              <a:t>08.05.2018</a:t>
             </a:fld>
             <a:endParaRPr lang="de-DE"/>
           </a:p>
@@ -673,7 +673,7 @@
           <a:p>
             <a:fld id="{13040E74-DFDB-44BD-8185-1F7771AED9D8}" type="datetimeFigureOut">
               <a:rPr lang="de-DE" smtClean="0"/>
-              <a:t>07.05.2018</a:t>
+              <a:t>08.05.2018</a:t>
             </a:fld>
             <a:endParaRPr lang="de-DE"/>
           </a:p>
@@ -873,7 +873,7 @@
           <a:p>
             <a:fld id="{13040E74-DFDB-44BD-8185-1F7771AED9D8}" type="datetimeFigureOut">
               <a:rPr lang="de-DE" smtClean="0"/>
-              <a:t>07.05.2018</a:t>
+              <a:t>08.05.2018</a:t>
             </a:fld>
             <a:endParaRPr lang="de-DE"/>
           </a:p>
@@ -1149,7 +1149,7 @@
           <a:p>
             <a:fld id="{13040E74-DFDB-44BD-8185-1F7771AED9D8}" type="datetimeFigureOut">
               <a:rPr lang="de-DE" smtClean="0"/>
-              <a:t>07.05.2018</a:t>
+              <a:t>08.05.2018</a:t>
             </a:fld>
             <a:endParaRPr lang="de-DE"/>
           </a:p>
@@ -1417,7 +1417,7 @@
           <a:p>
             <a:fld id="{13040E74-DFDB-44BD-8185-1F7771AED9D8}" type="datetimeFigureOut">
               <a:rPr lang="de-DE" smtClean="0"/>
-              <a:t>07.05.2018</a:t>
+              <a:t>08.05.2018</a:t>
             </a:fld>
             <a:endParaRPr lang="de-DE"/>
           </a:p>
@@ -1832,7 +1832,7 @@
           <a:p>
             <a:fld id="{13040E74-DFDB-44BD-8185-1F7771AED9D8}" type="datetimeFigureOut">
               <a:rPr lang="de-DE" smtClean="0"/>
-              <a:t>07.05.2018</a:t>
+              <a:t>08.05.2018</a:t>
             </a:fld>
             <a:endParaRPr lang="de-DE"/>
           </a:p>
@@ -1974,7 +1974,7 @@
           <a:p>
             <a:fld id="{13040E74-DFDB-44BD-8185-1F7771AED9D8}" type="datetimeFigureOut">
               <a:rPr lang="de-DE" smtClean="0"/>
-              <a:t>07.05.2018</a:t>
+              <a:t>08.05.2018</a:t>
             </a:fld>
             <a:endParaRPr lang="de-DE"/>
           </a:p>
@@ -2087,7 +2087,7 @@
           <a:p>
             <a:fld id="{13040E74-DFDB-44BD-8185-1F7771AED9D8}" type="datetimeFigureOut">
               <a:rPr lang="de-DE" smtClean="0"/>
-              <a:t>07.05.2018</a:t>
+              <a:t>08.05.2018</a:t>
             </a:fld>
             <a:endParaRPr lang="de-DE"/>
           </a:p>
@@ -2400,7 +2400,7 @@
           <a:p>
             <a:fld id="{13040E74-DFDB-44BD-8185-1F7771AED9D8}" type="datetimeFigureOut">
               <a:rPr lang="de-DE" smtClean="0"/>
-              <a:t>07.05.2018</a:t>
+              <a:t>08.05.2018</a:t>
             </a:fld>
             <a:endParaRPr lang="de-DE"/>
           </a:p>
@@ -2689,7 +2689,7 @@
           <a:p>
             <a:fld id="{13040E74-DFDB-44BD-8185-1F7771AED9D8}" type="datetimeFigureOut">
               <a:rPr lang="de-DE" smtClean="0"/>
-              <a:t>07.05.2018</a:t>
+              <a:t>08.05.2018</a:t>
             </a:fld>
             <a:endParaRPr lang="de-DE"/>
           </a:p>
@@ -2932,7 +2932,7 @@
           <a:p>
             <a:fld id="{13040E74-DFDB-44BD-8185-1F7771AED9D8}" type="datetimeFigureOut">
               <a:rPr lang="de-DE" smtClean="0"/>
-              <a:t>07.05.2018</a:t>
+              <a:t>08.05.2018</a:t>
             </a:fld>
             <a:endParaRPr lang="de-DE"/>
           </a:p>
@@ -3363,8 +3363,8 @@
         </p:nvSpPr>
         <p:spPr>
           <a:xfrm>
-            <a:off x="630574" y="2194513"/>
-            <a:ext cx="1050024" cy="1234487"/>
+            <a:off x="141534" y="2140577"/>
+            <a:ext cx="1528194" cy="1754012"/>
           </a:xfrm>
           <a:prstGeom prst="roundRect">
             <a:avLst/>
@@ -3398,14 +3398,21 @@
           <a:p>
             <a:pPr algn="ctr"/>
             <a:r>
-              <a:rPr lang="de-DE" sz="1100" dirty="0"/>
-              <a:t>Szenenre-konstruktion und Kamera-kalibrierung</a:t>
+              <a:rPr lang="de-DE" sz="1400" dirty="0"/>
+              <a:t>Szenenre-konstruktion und kalibrierung</a:t>
             </a:r>
           </a:p>
           <a:p>
             <a:pPr algn="ctr"/>
             <a:r>
-              <a:rPr lang="de-DE" sz="1100" dirty="0"/>
+              <a:rPr lang="de-DE" sz="1400" dirty="0"/>
+              <a:t>Extrinsischer Kamera-parameter</a:t>
+            </a:r>
+          </a:p>
+          <a:p>
+            <a:pPr algn="ctr"/>
+            <a:r>
+              <a:rPr lang="de-DE" sz="1400" dirty="0"/>
               <a:t> anhand eines 2D-Schachbretts</a:t>
             </a:r>
           </a:p>
@@ -3425,8 +3432,8 @@
         </p:nvSpPr>
         <p:spPr>
           <a:xfrm>
-            <a:off x="630574" y="4103617"/>
-            <a:ext cx="1050024" cy="664132"/>
+            <a:off x="141534" y="4103617"/>
+            <a:ext cx="1539064" cy="2079070"/>
           </a:xfrm>
           <a:prstGeom prst="roundRect">
             <a:avLst/>
@@ -3460,8 +3467,22 @@
           <a:p>
             <a:pPr algn="ctr"/>
             <a:r>
-              <a:rPr lang="de-DE" sz="1100" dirty="0"/>
-              <a:t>Szenenrekonstruktion und Kamer</a:t>
+              <a:rPr lang="de-DE" sz="1400" dirty="0"/>
+              <a:t>Szenenre-konstruktion und kalibrierung</a:t>
+            </a:r>
+          </a:p>
+          <a:p>
+            <a:pPr algn="ctr"/>
+            <a:r>
+              <a:rPr lang="de-DE" sz="1400" dirty="0"/>
+              <a:t>Extrinsischer Kamera-parameter</a:t>
+            </a:r>
+          </a:p>
+          <a:p>
+            <a:pPr algn="ctr"/>
+            <a:r>
+              <a:rPr lang="de-DE" sz="1400" dirty="0"/>
+              <a:t> anhand einer 3D-Szene</a:t>
             </a:r>
           </a:p>
         </p:txBody>
@@ -3480,8 +3501,8 @@
         </p:nvSpPr>
         <p:spPr>
           <a:xfrm>
-            <a:off x="1862356" y="3230458"/>
-            <a:ext cx="1577131" cy="664133"/>
+            <a:off x="1862356" y="3161290"/>
+            <a:ext cx="1577131" cy="840256"/>
           </a:xfrm>
           <a:prstGeom prst="roundRect">
             <a:avLst/>
@@ -3515,26 +3536,22 @@
           <a:p>
             <a:pPr algn="ctr"/>
             <a:r>
-              <a:rPr lang="de-DE" sz="1100" dirty="0"/>
+              <a:rPr lang="de-DE" sz="1400" dirty="0"/>
               <a:t>Stereoaufbau:</a:t>
             </a:r>
           </a:p>
           <a:p>
             <a:pPr algn="ctr"/>
             <a:r>
-              <a:rPr lang="de-DE" sz="1100" dirty="0"/>
+              <a:rPr lang="de-DE" sz="1400" dirty="0"/>
               <a:t>2 Kameras</a:t>
             </a:r>
           </a:p>
           <a:p>
             <a:pPr algn="ctr"/>
             <a:r>
-              <a:rPr lang="de-DE" sz="1100" dirty="0"/>
-              <a:t>Werden in der Szene </a:t>
-            </a:r>
-            <a:r>
-              <a:rPr lang="de-DE" sz="1200" dirty="0"/>
-              <a:t>platziert</a:t>
+              <a:rPr lang="de-DE" sz="1400" dirty="0"/>
+              <a:t>Werden im Raum platziert</a:t>
             </a:r>
           </a:p>
         </p:txBody>
@@ -3553,8 +3570,8 @@
         </p:nvSpPr>
         <p:spPr>
           <a:xfrm>
-            <a:off x="3657597" y="3230456"/>
-            <a:ext cx="1050024" cy="664133"/>
+            <a:off x="3657597" y="2719885"/>
+            <a:ext cx="1050024" cy="1701113"/>
           </a:xfrm>
           <a:prstGeom prst="roundRect">
             <a:avLst/>
@@ -3588,8 +3605,15 @@
           <a:p>
             <a:pPr algn="ctr"/>
             <a:r>
-              <a:rPr lang="de-DE" sz="1100" dirty="0"/>
-              <a:t>Kameras werden einzeln kalibriert</a:t>
+              <a:rPr lang="de-DE" sz="1400" dirty="0"/>
+              <a:t>Intrin-sische Kamera-parameter</a:t>
+            </a:r>
+          </a:p>
+          <a:p>
+            <a:pPr algn="ctr"/>
+            <a:r>
+              <a:rPr lang="de-DE" sz="1400" dirty="0"/>
+              <a:t>K und K‘ werden geschätzt</a:t>
             </a:r>
           </a:p>
         </p:txBody>
@@ -3643,7 +3667,7 @@
           <a:p>
             <a:pPr algn="ctr"/>
             <a:r>
-              <a:rPr lang="de-DE" sz="1100" dirty="0"/>
+              <a:rPr lang="de-DE" sz="1400" dirty="0"/>
               <a:t>SURF-Algorithmus </a:t>
             </a:r>
           </a:p>
@@ -3663,8 +3687,8 @@
         </p:nvSpPr>
         <p:spPr>
           <a:xfrm>
-            <a:off x="4926716" y="4103617"/>
-            <a:ext cx="1366119" cy="664133"/>
+            <a:off x="4926716" y="3758268"/>
+            <a:ext cx="1366119" cy="1266737"/>
           </a:xfrm>
           <a:prstGeom prst="roundRect">
             <a:avLst/>
@@ -3698,8 +3722,8 @@
           <a:p>
             <a:pPr algn="ctr"/>
             <a:r>
-              <a:rPr lang="de-DE" sz="1100" dirty="0"/>
-              <a:t>Schachbretteck-punktesortierungs-Algorithmus</a:t>
+              <a:rPr lang="de-DE" sz="1400" dirty="0"/>
+              <a:t>Schachbrett-eck-punktesortier-ungs-Algorithmus</a:t>
             </a:r>
           </a:p>
         </p:txBody>
@@ -3718,8 +3742,8 @@
         </p:nvSpPr>
         <p:spPr>
           <a:xfrm>
-            <a:off x="434361" y="1553574"/>
-            <a:ext cx="1295882" cy="769441"/>
+            <a:off x="287398" y="1133175"/>
+            <a:ext cx="1295882" cy="1077218"/>
           </a:xfrm>
           <a:prstGeom prst="rect">
             <a:avLst/>
@@ -3733,14 +3757,8 @@
           <a:lstStyle/>
           <a:p>
             <a:r>
-              <a:rPr lang="de-DE" sz="1100" dirty="0"/>
-              <a:t>Ansatz</a:t>
-            </a:r>
-          </a:p>
-          <a:p>
-            <a:r>
-              <a:rPr lang="de-DE" sz="1100" dirty="0"/>
-              <a:t>Kalibrierter Fall</a:t>
+              <a:rPr lang="de-DE" sz="1400" dirty="0"/>
+              <a:t>Eigens entwickelter Ansatz</a:t>
             </a:r>
           </a:p>
           <a:p>
@@ -3765,8 +3783,8 @@
         </p:nvSpPr>
         <p:spPr>
           <a:xfrm>
-            <a:off x="3534668" y="1600033"/>
-            <a:ext cx="1295882" cy="430887"/>
+            <a:off x="3567886" y="1292601"/>
+            <a:ext cx="1295882" cy="738664"/>
           </a:xfrm>
           <a:prstGeom prst="rect">
             <a:avLst/>
@@ -3780,12 +3798,12 @@
           <a:lstStyle/>
           <a:p>
             <a:r>
-              <a:rPr lang="de-DE" sz="1100" dirty="0"/>
-              <a:t>Einzelkalibrierung</a:t>
-            </a:r>
-          </a:p>
-          <a:p>
-            <a:endParaRPr lang="de-DE" sz="1100" dirty="0"/>
+              <a:rPr lang="de-DE" sz="1400" dirty="0"/>
+              <a:t>Einzelkali-brierung</a:t>
+            </a:r>
+          </a:p>
+          <a:p>
+            <a:endParaRPr lang="de-DE" sz="1400" dirty="0"/>
           </a:p>
         </p:txBody>
       </p:sp>
@@ -3803,8 +3821,8 @@
         </p:nvSpPr>
         <p:spPr>
           <a:xfrm>
-            <a:off x="4926716" y="1330438"/>
-            <a:ext cx="1295882" cy="1046440"/>
+            <a:off x="4838177" y="993020"/>
+            <a:ext cx="1512773" cy="1169551"/>
           </a:xfrm>
           <a:prstGeom prst="rect">
             <a:avLst/>
@@ -3818,30 +3836,24 @@
           <a:lstStyle/>
           <a:p>
             <a:r>
-              <a:rPr lang="de-DE" sz="1100" dirty="0"/>
+              <a:rPr lang="de-DE" sz="1400" dirty="0"/>
               <a:t>Detektieren</a:t>
             </a:r>
           </a:p>
           <a:p>
             <a:r>
-              <a:rPr lang="de-DE" sz="1100" dirty="0"/>
-              <a:t>von</a:t>
-            </a:r>
-          </a:p>
-          <a:p>
-            <a:r>
-              <a:rPr lang="de-DE" sz="1100" dirty="0"/>
-              <a:t>Korrespondierende </a:t>
-            </a:r>
-          </a:p>
-          <a:p>
-            <a:r>
-              <a:rPr lang="de-DE" sz="1100" dirty="0"/>
-              <a:t>Punkte</a:t>
-            </a:r>
-          </a:p>
-          <a:p>
-            <a:endParaRPr lang="de-DE" dirty="0"/>
+              <a:rPr lang="de-DE" sz="1400" dirty="0"/>
+              <a:t>Der Korrespon-dierenden </a:t>
+            </a:r>
+          </a:p>
+          <a:p>
+            <a:r>
+              <a:rPr lang="de-DE" sz="1400" dirty="0"/>
+              <a:t>Punkte der Bilder</a:t>
+            </a:r>
+          </a:p>
+          <a:p>
+            <a:endParaRPr lang="de-DE" sz="1400" dirty="0"/>
           </a:p>
         </p:txBody>
       </p:sp>
@@ -3859,8 +3871,8 @@
         </p:nvSpPr>
         <p:spPr>
           <a:xfrm>
-            <a:off x="6441695" y="3230458"/>
-            <a:ext cx="1050024" cy="664133"/>
+            <a:off x="6441695" y="2719885"/>
+            <a:ext cx="1050024" cy="1793391"/>
           </a:xfrm>
           <a:prstGeom prst="roundRect">
             <a:avLst/>
@@ -3894,8 +3906,8 @@
           <a:p>
             <a:pPr algn="ctr"/>
             <a:r>
-              <a:rPr lang="de-DE" sz="1100" dirty="0"/>
-              <a:t>Schätzen der Fundamental Matrix F</a:t>
+              <a:rPr lang="de-DE" sz="1400" dirty="0"/>
+              <a:t>Aufstellen der Koeff-izienten-matrix und lösen der selbigen </a:t>
             </a:r>
           </a:p>
         </p:txBody>
@@ -3914,8 +3926,8 @@
         </p:nvSpPr>
         <p:spPr>
           <a:xfrm>
-            <a:off x="7709829" y="3230456"/>
-            <a:ext cx="1050024" cy="664133"/>
+            <a:off x="7677446" y="2558642"/>
+            <a:ext cx="1090524" cy="2038525"/>
           </a:xfrm>
           <a:prstGeom prst="roundRect">
             <a:avLst/>
@@ -3949,8 +3961,8 @@
           <a:p>
             <a:pPr algn="ctr"/>
             <a:r>
-              <a:rPr lang="de-DE" sz="1100" dirty="0"/>
-              <a:t>Essentielle Matrix E aus F berechnen  </a:t>
+              <a:rPr lang="de-DE" sz="1400" dirty="0"/>
+              <a:t>Essentielle Matrix E aus F und den Kamera-matrizen K und K‘  berechnen  </a:t>
             </a:r>
           </a:p>
         </p:txBody>
@@ -3969,8 +3981,8 @@
         </p:nvSpPr>
         <p:spPr>
           <a:xfrm>
-            <a:off x="8977963" y="3230456"/>
-            <a:ext cx="1050024" cy="664133"/>
+            <a:off x="8977963" y="2366833"/>
+            <a:ext cx="1050024" cy="2331266"/>
           </a:xfrm>
           <a:prstGeom prst="roundRect">
             <a:avLst/>
@@ -4002,11 +4014,13 @@
           <a:bodyPr rtlCol="0" anchor="ctr"/>
           <a:lstStyle/>
           <a:p>
-            <a:pPr algn="ctr"/>
-            <a:r>
-              <a:rPr lang="de-DE" sz="1100" dirty="0"/>
-              <a:t>Schätzen der externen Kamerapara-meter</a:t>
-            </a:r>
+            <a:r>
+              <a:rPr lang="de-DE" sz="1400" dirty="0"/>
+              <a:t>Insgesamt vier mögliche Trans-forma-tions-matrizen R für eine der Kameras</a:t>
+            </a:r>
+          </a:p>
+          <a:p>
+            <a:endParaRPr lang="de-DE" sz="1400" dirty="0"/>
           </a:p>
         </p:txBody>
       </p:sp>
@@ -4024,8 +4038,8 @@
         </p:nvSpPr>
         <p:spPr>
           <a:xfrm>
-            <a:off x="10246097" y="3230456"/>
-            <a:ext cx="1173063" cy="664133"/>
+            <a:off x="10246097" y="2366834"/>
+            <a:ext cx="1804368" cy="2146442"/>
           </a:xfrm>
           <a:prstGeom prst="roundRect">
             <a:avLst/>
@@ -4057,10 +4071,9 @@
           <a:bodyPr rtlCol="0" anchor="ctr"/>
           <a:lstStyle/>
           <a:p>
-            <a:pPr algn="ctr"/>
-            <a:r>
-              <a:rPr lang="de-DE" sz="1100" dirty="0"/>
-              <a:t>Rekonstruktion durch Triangulierung</a:t>
+            <a:r>
+              <a:rPr lang="de-DE" sz="1400" dirty="0"/>
+              <a:t>3D Objektpunkte aus den durch die Sampson-Approximation angenäherten korrespon-dierenden Punkte rekonstruieren</a:t>
             </a:r>
           </a:p>
         </p:txBody>
@@ -4079,8 +4092,8 @@
         </p:nvSpPr>
         <p:spPr>
           <a:xfrm>
-            <a:off x="7586900" y="1330438"/>
-            <a:ext cx="1295882" cy="877163"/>
+            <a:off x="7579149" y="1133175"/>
+            <a:ext cx="1295882" cy="954107"/>
           </a:xfrm>
           <a:prstGeom prst="rect">
             <a:avLst/>
@@ -4094,12 +4107,12 @@
           <a:lstStyle/>
           <a:p>
             <a:r>
-              <a:rPr lang="de-DE" sz="1100" dirty="0"/>
-              <a:t>Verrechnen der intrisischen Parameter mit F </a:t>
-            </a:r>
-          </a:p>
-          <a:p>
-            <a:endParaRPr lang="de-DE" dirty="0"/>
+              <a:rPr lang="de-DE" sz="1400" dirty="0"/>
+              <a:t>Berechnen der essentiellen Matrix E</a:t>
+            </a:r>
+          </a:p>
+          <a:p>
+            <a:endParaRPr lang="de-DE" sz="1400" dirty="0"/>
           </a:p>
         </p:txBody>
       </p:sp>
@@ -4117,8 +4130,8 @@
         </p:nvSpPr>
         <p:spPr>
           <a:xfrm>
-            <a:off x="6318764" y="1330438"/>
-            <a:ext cx="1295882" cy="877163"/>
+            <a:off x="6330024" y="1146786"/>
+            <a:ext cx="1295882" cy="954107"/>
           </a:xfrm>
           <a:prstGeom prst="rect">
             <a:avLst/>
@@ -4132,12 +4145,12 @@
           <a:lstStyle/>
           <a:p>
             <a:r>
-              <a:rPr lang="de-DE" sz="1100" dirty="0"/>
-              <a:t>Aufstellen der Koeffizienten-matrix </a:t>
-            </a:r>
-          </a:p>
-          <a:p>
-            <a:endParaRPr lang="de-DE" dirty="0"/>
+              <a:rPr lang="de-DE" sz="1400" dirty="0"/>
+              <a:t>Schätzen der Fundamental-matrix F</a:t>
+            </a:r>
+          </a:p>
+          <a:p>
+            <a:endParaRPr lang="de-DE" sz="1400" dirty="0"/>
           </a:p>
         </p:txBody>
       </p:sp>
@@ -4155,8 +4168,8 @@
         </p:nvSpPr>
         <p:spPr>
           <a:xfrm>
-            <a:off x="10184687" y="1330437"/>
-            <a:ext cx="1295882" cy="1215717"/>
+            <a:off x="10246097" y="1100741"/>
+            <a:ext cx="1295882" cy="954107"/>
           </a:xfrm>
           <a:prstGeom prst="rect">
             <a:avLst/>
@@ -4170,12 +4183,12 @@
           <a:lstStyle/>
           <a:p>
             <a:r>
-              <a:rPr lang="de-DE" sz="1100" dirty="0"/>
-              <a:t>Korrespondierende Punkte mit Sampson approximation annähren</a:t>
-            </a:r>
-          </a:p>
-          <a:p>
-            <a:endParaRPr lang="de-DE" dirty="0"/>
+              <a:rPr lang="de-DE" sz="1400" dirty="0"/>
+              <a:t>Rekonstruktion durch Triangulierung</a:t>
+            </a:r>
+          </a:p>
+          <a:p>
+            <a:endParaRPr lang="de-DE" sz="1400" dirty="0"/>
           </a:p>
         </p:txBody>
       </p:sp>
@@ -4193,8 +4206,8 @@
         </p:nvSpPr>
         <p:spPr>
           <a:xfrm>
-            <a:off x="8856991" y="1328361"/>
-            <a:ext cx="1295882" cy="1046440"/>
+            <a:off x="8890208" y="1011895"/>
+            <a:ext cx="1295882" cy="954107"/>
           </a:xfrm>
           <a:prstGeom prst="rect">
             <a:avLst/>
@@ -4208,12 +4221,9 @@
           <a:lstStyle/>
           <a:p>
             <a:r>
-              <a:rPr lang="de-DE" sz="1100" dirty="0"/>
-              <a:t>Insgesamt vier mögliche Transformations-matrizen für C‘</a:t>
-            </a:r>
-          </a:p>
-          <a:p>
-            <a:endParaRPr lang="de-DE" dirty="0"/>
+              <a:rPr lang="de-DE" sz="1400" dirty="0"/>
+              <a:t>Schätzen der externen Kamerapara-meter</a:t>
+            </a:r>
           </a:p>
         </p:txBody>
       </p:sp>
@@ -4231,8 +4241,8 @@
         </p:nvSpPr>
         <p:spPr>
           <a:xfrm>
-            <a:off x="2002980" y="1594349"/>
-            <a:ext cx="1295882" cy="600164"/>
+            <a:off x="2070784" y="1280903"/>
+            <a:ext cx="1295882" cy="738664"/>
           </a:xfrm>
           <a:prstGeom prst="rect">
             <a:avLst/>
@@ -4246,12 +4256,12 @@
           <a:lstStyle/>
           <a:p>
             <a:r>
-              <a:rPr lang="de-DE" sz="1100" dirty="0"/>
+              <a:rPr lang="de-DE" sz="1400" dirty="0"/>
               <a:t>Aufbau des Stereo-Set-Ups</a:t>
             </a:r>
           </a:p>
           <a:p>
-            <a:endParaRPr lang="de-DE" sz="1100" dirty="0"/>
+            <a:endParaRPr lang="de-DE" sz="1400" dirty="0"/>
           </a:p>
         </p:txBody>
       </p:sp>
@@ -4347,6 +4357,7 @@
             </a:extLst>
           </p:cNvPr>
           <p:cNvCxnSpPr>
+            <a:cxnSpLocks/>
             <a:stCxn id="7" idx="3"/>
             <a:endCxn id="8" idx="1"/>
           </p:cNvCxnSpPr>
@@ -4354,8 +4365,8 @@
         </p:nvCxnSpPr>
         <p:spPr>
           <a:xfrm flipV="1">
-            <a:off x="3439487" y="3562523"/>
-            <a:ext cx="218110" cy="2"/>
+            <a:off x="3439487" y="3570442"/>
+            <a:ext cx="218110" cy="10976"/>
           </a:xfrm>
           <a:prstGeom prst="straightConnector1">
             <a:avLst/>
@@ -4545,6 +4556,7 @@
             </a:extLst>
           </p:cNvPr>
           <p:cNvCxnSpPr>
+            <a:cxnSpLocks/>
             <a:stCxn id="15" idx="3"/>
             <a:endCxn id="16" idx="1"/>
           </p:cNvCxnSpPr>
@@ -4552,8 +4564,8 @@
         </p:nvCxnSpPr>
         <p:spPr>
           <a:xfrm flipV="1">
-            <a:off x="7491719" y="3562523"/>
-            <a:ext cx="218110" cy="2"/>
+            <a:off x="7491719" y="3577905"/>
+            <a:ext cx="185727" cy="38676"/>
           </a:xfrm>
           <a:prstGeom prst="straightConnector1">
             <a:avLst/>
@@ -4587,15 +4599,16 @@
             </a:extLst>
           </p:cNvPr>
           <p:cNvCxnSpPr>
+            <a:cxnSpLocks/>
             <a:stCxn id="16" idx="3"/>
             <a:endCxn id="19" idx="1"/>
           </p:cNvCxnSpPr>
           <p:nvPr/>
         </p:nvCxnSpPr>
         <p:spPr>
-          <a:xfrm>
-            <a:off x="8759853" y="3562523"/>
-            <a:ext cx="218110" cy="0"/>
+          <a:xfrm flipV="1">
+            <a:off x="8767970" y="3532466"/>
+            <a:ext cx="209993" cy="45439"/>
           </a:xfrm>
           <a:prstGeom prst="straightConnector1">
             <a:avLst/>
@@ -4629,15 +4642,16 @@
             </a:extLst>
           </p:cNvPr>
           <p:cNvCxnSpPr>
+            <a:cxnSpLocks/>
             <a:stCxn id="19" idx="3"/>
             <a:endCxn id="20" idx="1"/>
           </p:cNvCxnSpPr>
           <p:nvPr/>
         </p:nvCxnSpPr>
         <p:spPr>
-          <a:xfrm>
-            <a:off x="10027987" y="3562523"/>
-            <a:ext cx="218110" cy="0"/>
+          <a:xfrm flipV="1">
+            <a:off x="10027987" y="3440055"/>
+            <a:ext cx="218110" cy="92411"/>
           </a:xfrm>
           <a:prstGeom prst="straightConnector1">
             <a:avLst/>
@@ -5065,8 +5079,8 @@
         </p:nvSpPr>
         <p:spPr>
           <a:xfrm>
-            <a:off x="596984" y="3180165"/>
-            <a:ext cx="1050024" cy="664132"/>
+            <a:off x="253860" y="2890190"/>
+            <a:ext cx="1393148" cy="1213426"/>
           </a:xfrm>
           <a:prstGeom prst="roundRect">
             <a:avLst/>
@@ -5100,8 +5114,15 @@
           <a:p>
             <a:pPr algn="ctr"/>
             <a:r>
-              <a:rPr lang="de-DE" sz="1100" dirty="0"/>
-              <a:t>Aufbau einer 3D-Szene</a:t>
+              <a:rPr lang="de-DE" sz="1400" dirty="0"/>
+              <a:t>Aufbau einer simulierten 3D-Szene. </a:t>
+            </a:r>
+          </a:p>
+          <a:p>
+            <a:pPr algn="ctr"/>
+            <a:r>
+              <a:rPr lang="de-DE" sz="1400" dirty="0"/>
+              <a:t>Ein 3D-Objekt wird definiert</a:t>
             </a:r>
           </a:p>
         </p:txBody>
@@ -5120,8 +5141,8 @@
         </p:nvSpPr>
         <p:spPr>
           <a:xfrm>
-            <a:off x="1862356" y="2714646"/>
-            <a:ext cx="1577131" cy="1689574"/>
+            <a:off x="1862356" y="2224565"/>
+            <a:ext cx="1577131" cy="2709385"/>
           </a:xfrm>
           <a:prstGeom prst="roundRect">
             <a:avLst/>
@@ -5155,10 +5176,9 @@
           <a:p>
             <a:pPr algn="ctr"/>
             <a:r>
-              <a:rPr lang="de-DE" sz="1100" dirty="0"/>
+              <a:rPr lang="de-DE" sz="1400" dirty="0"/>
               <a:t>Es wird ein Weltkoordinaten-sytem, zwei Kamerakoordinaten-systeme, mit jeweils einem Bildebenen- und einem Sensorkoordinaten-system definiert</a:t>
             </a:r>
-            <a:endParaRPr lang="de-DE" sz="1200" dirty="0"/>
           </a:p>
         </p:txBody>
       </p:sp>
@@ -5176,8 +5196,8 @@
         </p:nvSpPr>
         <p:spPr>
           <a:xfrm>
-            <a:off x="3657596" y="3028426"/>
-            <a:ext cx="1056981" cy="1075190"/>
+            <a:off x="3657596" y="2713356"/>
+            <a:ext cx="1056981" cy="1741198"/>
           </a:xfrm>
           <a:prstGeom prst="roundRect">
             <a:avLst/>
@@ -5211,7 +5231,7 @@
           <a:p>
             <a:pPr algn="ctr"/>
             <a:r>
-              <a:rPr lang="de-DE" sz="1100" dirty="0"/>
+              <a:rPr lang="de-DE" sz="1400" dirty="0"/>
               <a:t>Für jede Kamera wird eine Kamera-matirx definiert</a:t>
             </a:r>
           </a:p>
@@ -5231,8 +5251,8 @@
         </p:nvSpPr>
         <p:spPr>
           <a:xfrm>
-            <a:off x="4933127" y="2919370"/>
-            <a:ext cx="1295882" cy="1317070"/>
+            <a:off x="4933127" y="2499990"/>
+            <a:ext cx="1295882" cy="2751518"/>
           </a:xfrm>
           <a:prstGeom prst="roundRect">
             <a:avLst/>
@@ -5266,7 +5286,7 @@
           <a:p>
             <a:pPr algn="ctr"/>
             <a:r>
-              <a:rPr lang="de-DE" sz="1100" dirty="0"/>
+              <a:rPr lang="de-DE" sz="1400" dirty="0"/>
               <a:t>Projizieren der Weltkoordinaten in die jeweiligen Kamera-koordinaten und umrechnen in  Sensor-koordianten </a:t>
             </a:r>
           </a:p>
@@ -5286,8 +5306,8 @@
         </p:nvSpPr>
         <p:spPr>
           <a:xfrm>
-            <a:off x="873855" y="1600032"/>
-            <a:ext cx="1295882" cy="430887"/>
+            <a:off x="350209" y="1114994"/>
+            <a:ext cx="1295882" cy="954107"/>
           </a:xfrm>
           <a:prstGeom prst="rect">
             <a:avLst/>
@@ -5301,12 +5321,12 @@
           <a:lstStyle/>
           <a:p>
             <a:r>
-              <a:rPr lang="de-DE" sz="1100" dirty="0"/>
-              <a:t>Ansatz</a:t>
-            </a:r>
-          </a:p>
-          <a:p>
-            <a:endParaRPr lang="de-DE" sz="1100" dirty="0"/>
+              <a:rPr lang="de-DE" sz="1400" dirty="0"/>
+              <a:t>Eigens entwickelter Ansatz</a:t>
+            </a:r>
+          </a:p>
+          <a:p>
+            <a:endParaRPr lang="de-DE" sz="1400" dirty="0"/>
           </a:p>
         </p:txBody>
       </p:sp>
@@ -5324,8 +5344,8 @@
         </p:nvSpPr>
         <p:spPr>
           <a:xfrm>
-            <a:off x="3534668" y="1600033"/>
-            <a:ext cx="1295882" cy="430887"/>
+            <a:off x="3534667" y="1173850"/>
+            <a:ext cx="1295882" cy="738664"/>
           </a:xfrm>
           <a:prstGeom prst="rect">
             <a:avLst/>
@@ -5339,12 +5359,12 @@
           <a:lstStyle/>
           <a:p>
             <a:r>
-              <a:rPr lang="de-DE" sz="1100" dirty="0"/>
-              <a:t>Einzelkalibrierung</a:t>
-            </a:r>
-          </a:p>
-          <a:p>
-            <a:endParaRPr lang="de-DE" sz="1100" dirty="0"/>
+              <a:rPr lang="de-DE" sz="1400" dirty="0"/>
+              <a:t>Einzelkali-brierung</a:t>
+            </a:r>
+          </a:p>
+          <a:p>
+            <a:endParaRPr lang="de-DE" sz="1400" dirty="0"/>
           </a:p>
         </p:txBody>
       </p:sp>
@@ -5362,8 +5382,8 @@
         </p:nvSpPr>
         <p:spPr>
           <a:xfrm>
-            <a:off x="4926716" y="1330438"/>
-            <a:ext cx="1295882" cy="1046440"/>
+            <a:off x="4911879" y="899550"/>
+            <a:ext cx="1295882" cy="1169551"/>
           </a:xfrm>
           <a:prstGeom prst="rect">
             <a:avLst/>
@@ -5377,27 +5397,18 @@
           <a:lstStyle/>
           <a:p>
             <a:r>
-              <a:rPr lang="de-DE" sz="1100" dirty="0"/>
-              <a:t>Bildpunkte der Sensoren und Korrespondierende </a:t>
-            </a:r>
-          </a:p>
-          <a:p>
-            <a:r>
-              <a:rPr lang="de-DE" sz="1100" dirty="0"/>
-              <a:t>Punkte berechnen</a:t>
-            </a:r>
-          </a:p>
-          <a:p>
-            <a:endParaRPr lang="de-DE" dirty="0"/>
-          </a:p>
-        </p:txBody>
-      </p:sp>
-      <p:sp>
-        <p:nvSpPr>
-          <p:cNvPr id="11" name="Rectangle: Rounded Corners 10">
-            <a:extLst>
-              <a:ext uri="{FF2B5EF4-FFF2-40B4-BE49-F238E27FC236}">
-                <a16:creationId xmlns:a16="http://schemas.microsoft.com/office/drawing/2014/main" id="{1CA5EB97-E82F-4D87-A98F-30A88438768E}"/>
+              <a:rPr lang="de-DE" sz="1400" dirty="0"/>
+              <a:t>Projektion der 3D-Objektpunkte in 2D-Bildpunkte</a:t>
+            </a:r>
+          </a:p>
+        </p:txBody>
+      </p:sp>
+      <p:sp>
+        <p:nvSpPr>
+          <p:cNvPr id="14" name="Rectangle: Rounded Corners 13">
+            <a:extLst>
+              <a:ext uri="{FF2B5EF4-FFF2-40B4-BE49-F238E27FC236}">
+                <a16:creationId xmlns:a16="http://schemas.microsoft.com/office/drawing/2014/main" id="{DF1D0BB3-8069-4A5B-865B-2462417AF889}"/>
               </a:ext>
             </a:extLst>
           </p:cNvPr>
@@ -5406,8 +5417,8 @@
         </p:nvSpPr>
         <p:spPr>
           <a:xfrm>
-            <a:off x="6441695" y="3230458"/>
-            <a:ext cx="1050024" cy="664133"/>
+            <a:off x="10246099" y="2087281"/>
+            <a:ext cx="1692041" cy="3290059"/>
           </a:xfrm>
           <a:prstGeom prst="roundRect">
             <a:avLst/>
@@ -5440,196 +5451,27 @@
           <a:lstStyle/>
           <a:p>
             <a:pPr algn="ctr"/>
-            <a:r>
-              <a:rPr lang="de-DE" sz="1100" dirty="0"/>
-              <a:t>Schätzen der Fundamental Matrix F</a:t>
-            </a:r>
-          </a:p>
-        </p:txBody>
-      </p:sp>
-      <p:sp>
-        <p:nvSpPr>
-          <p:cNvPr id="12" name="Rectangle: Rounded Corners 11">
-            <a:extLst>
-              <a:ext uri="{FF2B5EF4-FFF2-40B4-BE49-F238E27FC236}">
-                <a16:creationId xmlns:a16="http://schemas.microsoft.com/office/drawing/2014/main" id="{D0632A99-87AD-402E-A94E-9E92966EAD8C}"/>
-              </a:ext>
-            </a:extLst>
-          </p:cNvPr>
-          <p:cNvSpPr/>
-          <p:nvPr/>
-        </p:nvSpPr>
-        <p:spPr>
-          <a:xfrm>
-            <a:off x="7709829" y="3230456"/>
-            <a:ext cx="1050024" cy="664133"/>
-          </a:xfrm>
-          <a:prstGeom prst="roundRect">
-            <a:avLst/>
-          </a:prstGeom>
-          <a:solidFill>
-            <a:schemeClr val="accent1">
-              <a:lumMod val="60000"/>
-              <a:lumOff val="40000"/>
-            </a:schemeClr>
-          </a:solidFill>
-        </p:spPr>
-        <p:style>
-          <a:lnRef idx="2">
-            <a:schemeClr val="accent1">
-              <a:shade val="50000"/>
-            </a:schemeClr>
-          </a:lnRef>
-          <a:fillRef idx="1">
-            <a:schemeClr val="accent1"/>
-          </a:fillRef>
-          <a:effectRef idx="0">
-            <a:schemeClr val="accent1"/>
-          </a:effectRef>
-          <a:fontRef idx="minor">
-            <a:schemeClr val="lt1"/>
-          </a:fontRef>
-        </p:style>
-        <p:txBody>
-          <a:bodyPr rtlCol="0" anchor="ctr"/>
-          <a:lstStyle/>
+            <a:endParaRPr lang="de-DE" sz="1400" dirty="0"/>
+          </a:p>
           <a:p>
             <a:pPr algn="ctr"/>
             <a:r>
-              <a:rPr lang="de-DE" sz="1100" dirty="0"/>
-              <a:t>Essentielle Matrix E aus F berechnen  </a:t>
-            </a:r>
-          </a:p>
-        </p:txBody>
-      </p:sp>
-      <p:sp>
-        <p:nvSpPr>
-          <p:cNvPr id="13" name="Rectangle: Rounded Corners 12">
-            <a:extLst>
-              <a:ext uri="{FF2B5EF4-FFF2-40B4-BE49-F238E27FC236}">
-                <a16:creationId xmlns:a16="http://schemas.microsoft.com/office/drawing/2014/main" id="{4036A7C7-644F-46F7-9241-BBA33A3218DF}"/>
-              </a:ext>
-            </a:extLst>
-          </p:cNvPr>
-          <p:cNvSpPr/>
-          <p:nvPr/>
-        </p:nvSpPr>
-        <p:spPr>
-          <a:xfrm>
-            <a:off x="8977963" y="3230456"/>
-            <a:ext cx="1050024" cy="664133"/>
-          </a:xfrm>
-          <a:prstGeom prst="roundRect">
-            <a:avLst/>
-          </a:prstGeom>
-          <a:solidFill>
-            <a:schemeClr val="accent1">
-              <a:lumMod val="60000"/>
-              <a:lumOff val="40000"/>
-            </a:schemeClr>
-          </a:solidFill>
-        </p:spPr>
-        <p:style>
-          <a:lnRef idx="2">
-            <a:schemeClr val="accent1">
-              <a:shade val="50000"/>
-            </a:schemeClr>
-          </a:lnRef>
-          <a:fillRef idx="1">
-            <a:schemeClr val="accent1"/>
-          </a:fillRef>
-          <a:effectRef idx="0">
-            <a:schemeClr val="accent1"/>
-          </a:effectRef>
-          <a:fontRef idx="minor">
-            <a:schemeClr val="lt1"/>
-          </a:fontRef>
-        </p:style>
-        <p:txBody>
-          <a:bodyPr rtlCol="0" anchor="ctr"/>
-          <a:lstStyle/>
+              <a:rPr lang="de-DE" sz="1400" dirty="0"/>
+              <a:t>Einfach Rekonstruktion der 3D Bildpunkte durch Schnittpunkt-berechnung der beiden Geraden durch die jeweiligen Kameramitten (Projektions-zentrum) und den zugehörigen 2D-Bildpunkten</a:t>
+            </a:r>
+          </a:p>
           <a:p>
             <a:pPr algn="ctr"/>
-            <a:r>
-              <a:rPr lang="de-DE" sz="1100" dirty="0"/>
-              <a:t>Schätzen der externen Kamerapara-meter</a:t>
-            </a:r>
-          </a:p>
-        </p:txBody>
-      </p:sp>
-      <p:sp>
-        <p:nvSpPr>
-          <p:cNvPr id="14" name="Rectangle: Rounded Corners 13">
-            <a:extLst>
-              <a:ext uri="{FF2B5EF4-FFF2-40B4-BE49-F238E27FC236}">
-                <a16:creationId xmlns:a16="http://schemas.microsoft.com/office/drawing/2014/main" id="{DF1D0BB3-8069-4A5B-865B-2462417AF889}"/>
-              </a:ext>
-            </a:extLst>
-          </p:cNvPr>
-          <p:cNvSpPr/>
-          <p:nvPr/>
-        </p:nvSpPr>
-        <p:spPr>
-          <a:xfrm>
-            <a:off x="10246097" y="2714646"/>
-            <a:ext cx="1173063" cy="2219304"/>
-          </a:xfrm>
-          <a:prstGeom prst="roundRect">
-            <a:avLst/>
-          </a:prstGeom>
-          <a:solidFill>
-            <a:schemeClr val="accent1">
-              <a:lumMod val="60000"/>
-              <a:lumOff val="40000"/>
-            </a:schemeClr>
-          </a:solidFill>
-        </p:spPr>
-        <p:style>
-          <a:lnRef idx="2">
-            <a:schemeClr val="accent1">
-              <a:shade val="50000"/>
-            </a:schemeClr>
-          </a:lnRef>
-          <a:fillRef idx="1">
-            <a:schemeClr val="accent1"/>
-          </a:fillRef>
-          <a:effectRef idx="0">
-            <a:schemeClr val="accent1"/>
-          </a:effectRef>
-          <a:fontRef idx="minor">
-            <a:schemeClr val="lt1"/>
-          </a:fontRef>
-        </p:style>
-        <p:txBody>
-          <a:bodyPr rtlCol="0" anchor="ctr"/>
-          <a:lstStyle/>
-          <a:p>
-            <a:pPr algn="ctr"/>
-            <a:endParaRPr lang="de-DE" sz="1100" dirty="0"/>
-          </a:p>
-          <a:p>
-            <a:pPr algn="ctr"/>
-            <a:endParaRPr lang="de-DE" sz="1100" dirty="0"/>
-          </a:p>
-          <a:p>
-            <a:pPr algn="ctr"/>
-            <a:r>
-              <a:rPr lang="de-DE" sz="1100" dirty="0"/>
-              <a:t>Einfache Triangulierung durch Schnittpunkt-berechnung der durch die jeweiligen Projektionszentren und Bildpunkten verlaufenden Geraden</a:t>
-            </a:r>
-          </a:p>
-          <a:p>
-            <a:pPr algn="ctr"/>
-            <a:endParaRPr lang="de-DE" sz="1100" dirty="0"/>
-          </a:p>
-        </p:txBody>
-      </p:sp>
-      <p:sp>
-        <p:nvSpPr>
-          <p:cNvPr id="15" name="TextBox 14">
-            <a:extLst>
-              <a:ext uri="{FF2B5EF4-FFF2-40B4-BE49-F238E27FC236}">
-                <a16:creationId xmlns:a16="http://schemas.microsoft.com/office/drawing/2014/main" id="{68B1A38B-D4B2-41C6-9B94-21B3C752C921}"/>
+            <a:endParaRPr lang="de-DE" sz="1400" dirty="0"/>
+          </a:p>
+        </p:txBody>
+      </p:sp>
+      <p:sp>
+        <p:nvSpPr>
+          <p:cNvPr id="16" name="TextBox 15">
+            <a:extLst>
+              <a:ext uri="{FF2B5EF4-FFF2-40B4-BE49-F238E27FC236}">
+                <a16:creationId xmlns:a16="http://schemas.microsoft.com/office/drawing/2014/main" id="{30F049AA-AACC-4EB3-BCB3-74E215E36EEF}"/>
               </a:ext>
             </a:extLst>
           </p:cNvPr>
@@ -5638,8 +5480,8 @@
         </p:nvSpPr>
         <p:spPr>
           <a:xfrm>
-            <a:off x="7586900" y="1330438"/>
-            <a:ext cx="1295882" cy="877163"/>
+            <a:off x="6294067" y="1099096"/>
+            <a:ext cx="1295882" cy="954107"/>
           </a:xfrm>
           <a:prstGeom prst="rect">
             <a:avLst/>
@@ -5653,21 +5495,21 @@
           <a:lstStyle/>
           <a:p>
             <a:r>
-              <a:rPr lang="de-DE" sz="1100" dirty="0"/>
-              <a:t>Verrechnen der intrisischen Parameter mit F </a:t>
-            </a:r>
-          </a:p>
-          <a:p>
-            <a:endParaRPr lang="de-DE" dirty="0"/>
-          </a:p>
-        </p:txBody>
-      </p:sp>
-      <p:sp>
-        <p:nvSpPr>
-          <p:cNvPr id="16" name="TextBox 15">
-            <a:extLst>
-              <a:ext uri="{FF2B5EF4-FFF2-40B4-BE49-F238E27FC236}">
-                <a16:creationId xmlns:a16="http://schemas.microsoft.com/office/drawing/2014/main" id="{30F049AA-AACC-4EB3-BCB3-74E215E36EEF}"/>
+              <a:rPr lang="de-DE" sz="1400" dirty="0"/>
+              <a:t>Schätzem der Fundamental-matrix F</a:t>
+            </a:r>
+          </a:p>
+          <a:p>
+            <a:endParaRPr lang="de-DE" sz="1400" dirty="0"/>
+          </a:p>
+        </p:txBody>
+      </p:sp>
+      <p:sp>
+        <p:nvSpPr>
+          <p:cNvPr id="19" name="TextBox 18">
+            <a:extLst>
+              <a:ext uri="{FF2B5EF4-FFF2-40B4-BE49-F238E27FC236}">
+                <a16:creationId xmlns:a16="http://schemas.microsoft.com/office/drawing/2014/main" id="{9875C285-6918-4F71-98E2-31D6ADD131AC}"/>
               </a:ext>
             </a:extLst>
           </p:cNvPr>
@@ -5676,8 +5518,8 @@
         </p:nvSpPr>
         <p:spPr>
           <a:xfrm>
-            <a:off x="6318764" y="1330438"/>
-            <a:ext cx="1295882" cy="877163"/>
+            <a:off x="1951255" y="1208014"/>
+            <a:ext cx="1295882" cy="738664"/>
           </a:xfrm>
           <a:prstGeom prst="rect">
             <a:avLst/>
@@ -5691,124 +5533,12 @@
           <a:lstStyle/>
           <a:p>
             <a:r>
-              <a:rPr lang="de-DE" sz="1100" dirty="0"/>
-              <a:t>Aufstellen der Koeffizienten-matrix </a:t>
-            </a:r>
-          </a:p>
-          <a:p>
-            <a:endParaRPr lang="de-DE" dirty="0"/>
-          </a:p>
-        </p:txBody>
-      </p:sp>
-      <p:sp>
-        <p:nvSpPr>
-          <p:cNvPr id="17" name="TextBox 16">
-            <a:extLst>
-              <a:ext uri="{FF2B5EF4-FFF2-40B4-BE49-F238E27FC236}">
-                <a16:creationId xmlns:a16="http://schemas.microsoft.com/office/drawing/2014/main" id="{BB4E5760-99E6-42F6-8FE5-44B4B2A046AE}"/>
-              </a:ext>
-            </a:extLst>
-          </p:cNvPr>
-          <p:cNvSpPr txBox="1"/>
-          <p:nvPr/>
-        </p:nvSpPr>
-        <p:spPr>
-          <a:xfrm>
-            <a:off x="10184686" y="1330437"/>
-            <a:ext cx="1629423" cy="430887"/>
-          </a:xfrm>
-          <a:prstGeom prst="rect">
-            <a:avLst/>
-          </a:prstGeom>
-          <a:noFill/>
-        </p:spPr>
-        <p:txBody>
-          <a:bodyPr wrap="square" rtlCol="0">
-            <a:spAutoFit/>
-          </a:bodyPr>
-          <a:lstStyle/>
-          <a:p>
-            <a:r>
-              <a:rPr lang="de-DE" sz="1100" dirty="0"/>
-              <a:t>Rekonstruktion durch Triangulierung</a:t>
-            </a:r>
-            <a:endParaRPr lang="de-DE" dirty="0"/>
-          </a:p>
-        </p:txBody>
-      </p:sp>
-      <p:sp>
-        <p:nvSpPr>
-          <p:cNvPr id="18" name="TextBox 17">
-            <a:extLst>
-              <a:ext uri="{FF2B5EF4-FFF2-40B4-BE49-F238E27FC236}">
-                <a16:creationId xmlns:a16="http://schemas.microsoft.com/office/drawing/2014/main" id="{DC897934-8C93-4B1A-9E6F-043DDEAF8446}"/>
-              </a:ext>
-            </a:extLst>
-          </p:cNvPr>
-          <p:cNvSpPr txBox="1"/>
-          <p:nvPr/>
-        </p:nvSpPr>
-        <p:spPr>
-          <a:xfrm>
-            <a:off x="8856991" y="1328361"/>
-            <a:ext cx="1295882" cy="1046440"/>
-          </a:xfrm>
-          <a:prstGeom prst="rect">
-            <a:avLst/>
-          </a:prstGeom>
-          <a:noFill/>
-        </p:spPr>
-        <p:txBody>
-          <a:bodyPr wrap="square" rtlCol="0">
-            <a:spAutoFit/>
-          </a:bodyPr>
-          <a:lstStyle/>
-          <a:p>
-            <a:r>
-              <a:rPr lang="de-DE" sz="1100" dirty="0"/>
-              <a:t>Insgesamt vier mögliche Transformations-matrizen für C‘</a:t>
-            </a:r>
-          </a:p>
-          <a:p>
-            <a:endParaRPr lang="de-DE" dirty="0"/>
-          </a:p>
-        </p:txBody>
-      </p:sp>
-      <p:sp>
-        <p:nvSpPr>
-          <p:cNvPr id="19" name="TextBox 18">
-            <a:extLst>
-              <a:ext uri="{FF2B5EF4-FFF2-40B4-BE49-F238E27FC236}">
-                <a16:creationId xmlns:a16="http://schemas.microsoft.com/office/drawing/2014/main" id="{9875C285-6918-4F71-98E2-31D6ADD131AC}"/>
-              </a:ext>
-            </a:extLst>
-          </p:cNvPr>
-          <p:cNvSpPr txBox="1"/>
-          <p:nvPr/>
-        </p:nvSpPr>
-        <p:spPr>
-          <a:xfrm>
-            <a:off x="2002980" y="1594349"/>
-            <a:ext cx="1295882" cy="600164"/>
-          </a:xfrm>
-          <a:prstGeom prst="rect">
-            <a:avLst/>
-          </a:prstGeom>
-          <a:noFill/>
-        </p:spPr>
-        <p:txBody>
-          <a:bodyPr wrap="square" rtlCol="0">
-            <a:spAutoFit/>
-          </a:bodyPr>
-          <a:lstStyle/>
-          <a:p>
-            <a:r>
-              <a:rPr lang="de-DE" sz="1100" dirty="0"/>
+              <a:rPr lang="de-DE" sz="1400" dirty="0"/>
               <a:t>Aufbau des Stereo-Set-Ups</a:t>
             </a:r>
           </a:p>
           <a:p>
-            <a:endParaRPr lang="de-DE" sz="1100" dirty="0"/>
+            <a:endParaRPr lang="de-DE" sz="1400" dirty="0"/>
           </a:p>
         </p:txBody>
       </p:sp>
@@ -5828,9 +5558,9 @@
           <p:nvPr/>
         </p:nvCxnSpPr>
         <p:spPr>
-          <a:xfrm flipV="1">
-            <a:off x="1647008" y="3498907"/>
-            <a:ext cx="206981" cy="13324"/>
+          <a:xfrm>
+            <a:off x="1647008" y="3496903"/>
+            <a:ext cx="206981" cy="2004"/>
           </a:xfrm>
           <a:prstGeom prst="straightConnector1">
             <a:avLst/>
@@ -5872,8 +5602,8 @@
         </p:nvCxnSpPr>
         <p:spPr>
           <a:xfrm>
-            <a:off x="3439487" y="3559433"/>
-            <a:ext cx="218109" cy="6588"/>
+            <a:off x="3439487" y="3579258"/>
+            <a:ext cx="218109" cy="4697"/>
           </a:xfrm>
           <a:prstGeom prst="straightConnector1">
             <a:avLst/>
@@ -5948,15 +5678,14 @@
             </a:extLst>
           </p:cNvPr>
           <p:cNvCxnSpPr>
-            <a:stCxn id="11" idx="3"/>
-            <a:endCxn id="12" idx="1"/>
+            <a:cxnSpLocks/>
           </p:cNvCxnSpPr>
           <p:nvPr/>
         </p:nvCxnSpPr>
         <p:spPr>
-          <a:xfrm flipV="1">
-            <a:off x="7491719" y="3562523"/>
-            <a:ext cx="218110" cy="2"/>
+          <a:xfrm>
+            <a:off x="7491719" y="3562524"/>
+            <a:ext cx="159041" cy="0"/>
           </a:xfrm>
           <a:prstGeom prst="straightConnector1">
             <a:avLst/>
@@ -5990,15 +5719,14 @@
             </a:extLst>
           </p:cNvPr>
           <p:cNvCxnSpPr>
-            <a:stCxn id="12" idx="3"/>
-            <a:endCxn id="13" idx="1"/>
+            <a:cxnSpLocks/>
           </p:cNvCxnSpPr>
           <p:nvPr/>
         </p:nvCxnSpPr>
         <p:spPr>
           <a:xfrm>
-            <a:off x="8759853" y="3562523"/>
-            <a:ext cx="218110" cy="0"/>
+            <a:off x="8759853" y="3562522"/>
+            <a:ext cx="218110" cy="1"/>
           </a:xfrm>
           <a:prstGeom prst="straightConnector1">
             <a:avLst/>
@@ -6417,6 +6145,284 @@
           </a:fontRef>
         </p:style>
       </p:cxnSp>
+      <p:sp>
+        <p:nvSpPr>
+          <p:cNvPr id="40" name="Rectangle: Rounded Corners 39">
+            <a:extLst>
+              <a:ext uri="{FF2B5EF4-FFF2-40B4-BE49-F238E27FC236}">
+                <a16:creationId xmlns:a16="http://schemas.microsoft.com/office/drawing/2014/main" id="{45183967-7112-4FA8-8279-0C617183B39F}"/>
+              </a:ext>
+            </a:extLst>
+          </p:cNvPr>
+          <p:cNvSpPr/>
+          <p:nvPr/>
+        </p:nvSpPr>
+        <p:spPr>
+          <a:xfrm>
+            <a:off x="6441695" y="2719885"/>
+            <a:ext cx="1050024" cy="1793391"/>
+          </a:xfrm>
+          <a:prstGeom prst="roundRect">
+            <a:avLst/>
+          </a:prstGeom>
+          <a:solidFill>
+            <a:schemeClr val="accent1">
+              <a:lumMod val="60000"/>
+              <a:lumOff val="40000"/>
+            </a:schemeClr>
+          </a:solidFill>
+        </p:spPr>
+        <p:style>
+          <a:lnRef idx="2">
+            <a:schemeClr val="accent1">
+              <a:shade val="50000"/>
+            </a:schemeClr>
+          </a:lnRef>
+          <a:fillRef idx="1">
+            <a:schemeClr val="accent1"/>
+          </a:fillRef>
+          <a:effectRef idx="0">
+            <a:schemeClr val="accent1"/>
+          </a:effectRef>
+          <a:fontRef idx="minor">
+            <a:schemeClr val="lt1"/>
+          </a:fontRef>
+        </p:style>
+        <p:txBody>
+          <a:bodyPr rtlCol="0" anchor="ctr"/>
+          <a:lstStyle/>
+          <a:p>
+            <a:pPr algn="ctr"/>
+            <a:r>
+              <a:rPr lang="de-DE" sz="1400" dirty="0"/>
+              <a:t>Aufstellen der Koeff-izienten-matrix und lösen der selbigen </a:t>
+            </a:r>
+          </a:p>
+        </p:txBody>
+      </p:sp>
+      <p:sp>
+        <p:nvSpPr>
+          <p:cNvPr id="42" name="Rectangle: Rounded Corners 41">
+            <a:extLst>
+              <a:ext uri="{FF2B5EF4-FFF2-40B4-BE49-F238E27FC236}">
+                <a16:creationId xmlns:a16="http://schemas.microsoft.com/office/drawing/2014/main" id="{3D5DD483-0B74-482A-93D8-AEFDE68495CC}"/>
+              </a:ext>
+            </a:extLst>
+          </p:cNvPr>
+          <p:cNvSpPr/>
+          <p:nvPr/>
+        </p:nvSpPr>
+        <p:spPr>
+          <a:xfrm>
+            <a:off x="7635616" y="2558642"/>
+            <a:ext cx="1132354" cy="2038525"/>
+          </a:xfrm>
+          <a:prstGeom prst="roundRect">
+            <a:avLst/>
+          </a:prstGeom>
+          <a:solidFill>
+            <a:schemeClr val="accent1">
+              <a:lumMod val="60000"/>
+              <a:lumOff val="40000"/>
+            </a:schemeClr>
+          </a:solidFill>
+        </p:spPr>
+        <p:style>
+          <a:lnRef idx="2">
+            <a:schemeClr val="accent1">
+              <a:shade val="50000"/>
+            </a:schemeClr>
+          </a:lnRef>
+          <a:fillRef idx="1">
+            <a:schemeClr val="accent1"/>
+          </a:fillRef>
+          <a:effectRef idx="0">
+            <a:schemeClr val="accent1"/>
+          </a:effectRef>
+          <a:fontRef idx="minor">
+            <a:schemeClr val="lt1"/>
+          </a:fontRef>
+        </p:style>
+        <p:txBody>
+          <a:bodyPr rtlCol="0" anchor="ctr"/>
+          <a:lstStyle/>
+          <a:p>
+            <a:pPr algn="ctr"/>
+            <a:r>
+              <a:rPr lang="de-DE" sz="1400" dirty="0"/>
+              <a:t>Essentielle Matrix E aus F und den Kamera-matrizen K und K‘  berechnen  </a:t>
+            </a:r>
+          </a:p>
+        </p:txBody>
+      </p:sp>
+      <p:sp>
+        <p:nvSpPr>
+          <p:cNvPr id="43" name="Rectangle: Rounded Corners 42">
+            <a:extLst>
+              <a:ext uri="{FF2B5EF4-FFF2-40B4-BE49-F238E27FC236}">
+                <a16:creationId xmlns:a16="http://schemas.microsoft.com/office/drawing/2014/main" id="{D657171E-E422-4E58-86FB-51CD3B080ADA}"/>
+              </a:ext>
+            </a:extLst>
+          </p:cNvPr>
+          <p:cNvSpPr/>
+          <p:nvPr/>
+        </p:nvSpPr>
+        <p:spPr>
+          <a:xfrm>
+            <a:off x="8977963" y="2366833"/>
+            <a:ext cx="1050024" cy="2331266"/>
+          </a:xfrm>
+          <a:prstGeom prst="roundRect">
+            <a:avLst/>
+          </a:prstGeom>
+          <a:solidFill>
+            <a:schemeClr val="accent1">
+              <a:lumMod val="60000"/>
+              <a:lumOff val="40000"/>
+            </a:schemeClr>
+          </a:solidFill>
+        </p:spPr>
+        <p:style>
+          <a:lnRef idx="2">
+            <a:schemeClr val="accent1">
+              <a:shade val="50000"/>
+            </a:schemeClr>
+          </a:lnRef>
+          <a:fillRef idx="1">
+            <a:schemeClr val="accent1"/>
+          </a:fillRef>
+          <a:effectRef idx="0">
+            <a:schemeClr val="accent1"/>
+          </a:effectRef>
+          <a:fontRef idx="minor">
+            <a:schemeClr val="lt1"/>
+          </a:fontRef>
+        </p:style>
+        <p:txBody>
+          <a:bodyPr rtlCol="0" anchor="ctr"/>
+          <a:lstStyle/>
+          <a:p>
+            <a:r>
+              <a:rPr lang="de-DE" sz="1400" dirty="0"/>
+              <a:t>Insgesamt vier mögliche Trans-forma-tions-matrizen R für eine der Kameras</a:t>
+            </a:r>
+          </a:p>
+          <a:p>
+            <a:endParaRPr lang="de-DE" sz="1400" dirty="0"/>
+          </a:p>
+        </p:txBody>
+      </p:sp>
+      <p:sp>
+        <p:nvSpPr>
+          <p:cNvPr id="44" name="TextBox 43">
+            <a:extLst>
+              <a:ext uri="{FF2B5EF4-FFF2-40B4-BE49-F238E27FC236}">
+                <a16:creationId xmlns:a16="http://schemas.microsoft.com/office/drawing/2014/main" id="{E496140B-9DA4-4C6E-A2E4-FFB2A5B0E11A}"/>
+              </a:ext>
+            </a:extLst>
+          </p:cNvPr>
+          <p:cNvSpPr txBox="1"/>
+          <p:nvPr/>
+        </p:nvSpPr>
+        <p:spPr>
+          <a:xfrm>
+            <a:off x="7579149" y="1133175"/>
+            <a:ext cx="1295882" cy="954107"/>
+          </a:xfrm>
+          <a:prstGeom prst="rect">
+            <a:avLst/>
+          </a:prstGeom>
+          <a:noFill/>
+        </p:spPr>
+        <p:txBody>
+          <a:bodyPr wrap="square" rtlCol="0">
+            <a:spAutoFit/>
+          </a:bodyPr>
+          <a:lstStyle/>
+          <a:p>
+            <a:r>
+              <a:rPr lang="de-DE" sz="1400" dirty="0"/>
+              <a:t>Berechnen der essentiellen Matrix E</a:t>
+            </a:r>
+          </a:p>
+          <a:p>
+            <a:endParaRPr lang="de-DE" sz="1400" dirty="0"/>
+          </a:p>
+        </p:txBody>
+      </p:sp>
+      <p:sp>
+        <p:nvSpPr>
+          <p:cNvPr id="45" name="TextBox 44">
+            <a:extLst>
+              <a:ext uri="{FF2B5EF4-FFF2-40B4-BE49-F238E27FC236}">
+                <a16:creationId xmlns:a16="http://schemas.microsoft.com/office/drawing/2014/main" id="{3FC2A864-82BE-4E07-A2F8-0447880AB2D3}"/>
+              </a:ext>
+            </a:extLst>
+          </p:cNvPr>
+          <p:cNvSpPr txBox="1"/>
+          <p:nvPr/>
+        </p:nvSpPr>
+        <p:spPr>
+          <a:xfrm>
+            <a:off x="10246097" y="1100741"/>
+            <a:ext cx="1295882" cy="954107"/>
+          </a:xfrm>
+          <a:prstGeom prst="rect">
+            <a:avLst/>
+          </a:prstGeom>
+          <a:noFill/>
+        </p:spPr>
+        <p:txBody>
+          <a:bodyPr wrap="square" rtlCol="0">
+            <a:spAutoFit/>
+          </a:bodyPr>
+          <a:lstStyle/>
+          <a:p>
+            <a:r>
+              <a:rPr lang="de-DE" sz="1400" dirty="0"/>
+              <a:t>Rekonstruktion durch Triangulierung</a:t>
+            </a:r>
+          </a:p>
+          <a:p>
+            <a:endParaRPr lang="de-DE" sz="1400" dirty="0"/>
+          </a:p>
+        </p:txBody>
+      </p:sp>
+      <p:sp>
+        <p:nvSpPr>
+          <p:cNvPr id="46" name="TextBox 45">
+            <a:extLst>
+              <a:ext uri="{FF2B5EF4-FFF2-40B4-BE49-F238E27FC236}">
+                <a16:creationId xmlns:a16="http://schemas.microsoft.com/office/drawing/2014/main" id="{F72B5D78-EB64-4BC1-B8FF-C7A58881C268}"/>
+              </a:ext>
+            </a:extLst>
+          </p:cNvPr>
+          <p:cNvSpPr txBox="1"/>
+          <p:nvPr/>
+        </p:nvSpPr>
+        <p:spPr>
+          <a:xfrm>
+            <a:off x="8890208" y="1011895"/>
+            <a:ext cx="1295882" cy="954107"/>
+          </a:xfrm>
+          <a:prstGeom prst="rect">
+            <a:avLst/>
+          </a:prstGeom>
+          <a:noFill/>
+        </p:spPr>
+        <p:txBody>
+          <a:bodyPr wrap="square" rtlCol="0">
+            <a:spAutoFit/>
+          </a:bodyPr>
+          <a:lstStyle/>
+          <a:p>
+            <a:r>
+              <a:rPr lang="de-DE" sz="1400" dirty="0"/>
+              <a:t>Schätzen der externen Kamerapara-meter</a:t>
+            </a:r>
+          </a:p>
+        </p:txBody>
+      </p:sp>
     </p:spTree>
     <p:extLst>
       <p:ext uri="{BB962C8B-B14F-4D97-AF65-F5344CB8AC3E}">
@@ -6461,8 +6467,8 @@
         </p:nvSpPr>
         <p:spPr>
           <a:xfrm>
-            <a:off x="521056" y="2969461"/>
-            <a:ext cx="1050024" cy="1179943"/>
+            <a:off x="309292" y="2803751"/>
+            <a:ext cx="1261788" cy="1511363"/>
           </a:xfrm>
           <a:prstGeom prst="roundRect">
             <a:avLst/>
@@ -6496,18 +6502,10 @@
           <a:p>
             <a:pPr algn="ctr"/>
             <a:r>
-              <a:rPr lang="de-DE" sz="1100" dirty="0"/>
+              <a:rPr lang="de-DE" sz="1400" dirty="0"/>
               <a:t>Szenenrekonstruktion anhand eines 2D-Schachbretts</a:t>
             </a:r>
           </a:p>
-          <a:p>
-            <a:pPr algn="ctr"/>
-            <a:endParaRPr lang="de-DE" sz="1100" dirty="0"/>
-          </a:p>
-          <a:p>
-            <a:pPr algn="ctr"/>
-            <a:endParaRPr lang="de-DE" sz="1100" dirty="0"/>
-          </a:p>
         </p:txBody>
       </p:sp>
       <p:sp>
@@ -6524,8 +6522,8 @@
         </p:nvSpPr>
         <p:spPr>
           <a:xfrm>
-            <a:off x="1862356" y="2714646"/>
-            <a:ext cx="1577131" cy="1689574"/>
+            <a:off x="1862357" y="2714646"/>
+            <a:ext cx="1424630" cy="1689574"/>
           </a:xfrm>
           <a:prstGeom prst="roundRect">
             <a:avLst/>
@@ -6559,10 +6557,9 @@
           <a:p>
             <a:pPr algn="ctr"/>
             <a:r>
-              <a:rPr lang="de-DE" sz="1100" dirty="0"/>
+              <a:rPr lang="de-DE" sz="1400" dirty="0"/>
               <a:t>Schachbrett wird aus mehreren Winkeln von zwei Kameras aufgenommen </a:t>
             </a:r>
-            <a:endParaRPr lang="de-DE" sz="1200" dirty="0"/>
           </a:p>
         </p:txBody>
       </p:sp>
@@ -6580,8 +6577,8 @@
         </p:nvSpPr>
         <p:spPr>
           <a:xfrm>
-            <a:off x="3642522" y="2883566"/>
-            <a:ext cx="1056981" cy="1351731"/>
+            <a:off x="3473271" y="2443934"/>
+            <a:ext cx="1243008" cy="2223599"/>
           </a:xfrm>
           <a:prstGeom prst="roundRect">
             <a:avLst/>
@@ -6615,8 +6612,8 @@
           <a:p>
             <a:pPr algn="ctr"/>
             <a:r>
-              <a:rPr lang="de-DE" sz="1100" dirty="0"/>
-              <a:t>Eckpunkte des Schachbretts werden als korrespondierende Punkte indentifiziert</a:t>
+              <a:rPr lang="de-DE" sz="1400" dirty="0"/>
+              <a:t>Eckpunkte des Schachbretts werden als korres-pondierende Punkte indentifiziert</a:t>
             </a:r>
           </a:p>
         </p:txBody>
@@ -6635,8 +6632,8 @@
         </p:nvSpPr>
         <p:spPr>
           <a:xfrm>
-            <a:off x="4933127" y="2919370"/>
-            <a:ext cx="1295882" cy="1317070"/>
+            <a:off x="4875031" y="2930378"/>
+            <a:ext cx="1047675" cy="1317070"/>
           </a:xfrm>
           <a:prstGeom prst="roundRect">
             <a:avLst/>
@@ -6668,10 +6665,9 @@
           <a:bodyPr rtlCol="0" anchor="ctr"/>
           <a:lstStyle/>
           <a:p>
-            <a:pPr algn="ctr"/>
-            <a:r>
-              <a:rPr lang="de-DE" sz="1100" dirty="0"/>
-              <a:t>Schätzen der Fundamental-matrix</a:t>
+            <a:r>
+              <a:rPr lang="de-DE" sz="1400" dirty="0"/>
+              <a:t>Aufstellen der Koeffi-zienten-matrix</a:t>
             </a:r>
           </a:p>
         </p:txBody>
@@ -6690,8 +6686,8 @@
         </p:nvSpPr>
         <p:spPr>
           <a:xfrm>
-            <a:off x="351126" y="1594349"/>
-            <a:ext cx="1295882" cy="600164"/>
+            <a:off x="344292" y="1027722"/>
+            <a:ext cx="1295882" cy="954107"/>
           </a:xfrm>
           <a:prstGeom prst="rect">
             <a:avLst/>
@@ -6705,18 +6701,12 @@
           <a:lstStyle/>
           <a:p>
             <a:r>
-              <a:rPr lang="de-DE" sz="1100" dirty="0"/>
-              <a:t>Ansatz:</a:t>
-            </a:r>
-          </a:p>
-          <a:p>
-            <a:r>
-              <a:rPr lang="de-DE" sz="1100" dirty="0"/>
-              <a:t>Unkalibrierter Fall</a:t>
-            </a:r>
-          </a:p>
-          <a:p>
-            <a:endParaRPr lang="de-DE" sz="1100" dirty="0"/>
+              <a:rPr lang="de-DE" sz="1400" dirty="0"/>
+              <a:t>Von Matlab verwendeter Ansatz</a:t>
+            </a:r>
+          </a:p>
+          <a:p>
+            <a:endParaRPr lang="de-DE" sz="1400" dirty="0"/>
           </a:p>
         </p:txBody>
       </p:sp>
@@ -6734,8 +6724,8 @@
         </p:nvSpPr>
         <p:spPr>
           <a:xfrm>
-            <a:off x="3506351" y="1393186"/>
-            <a:ext cx="1295882" cy="769441"/>
+            <a:off x="3547136" y="919999"/>
+            <a:ext cx="1295882" cy="1169551"/>
           </a:xfrm>
           <a:prstGeom prst="rect">
             <a:avLst/>
@@ -6749,12 +6739,12 @@
           <a:lstStyle/>
           <a:p>
             <a:r>
-              <a:rPr lang="de-DE" sz="1100" dirty="0"/>
+              <a:rPr lang="de-DE" sz="1400" dirty="0"/>
               <a:t>Detektieren korrespon-dierender Punkte</a:t>
             </a:r>
           </a:p>
           <a:p>
-            <a:endParaRPr lang="de-DE" sz="1100" dirty="0"/>
+            <a:endParaRPr lang="de-DE" sz="1400" dirty="0"/>
           </a:p>
         </p:txBody>
       </p:sp>
@@ -6772,8 +6762,8 @@
         </p:nvSpPr>
         <p:spPr>
           <a:xfrm>
-            <a:off x="4926716" y="1330438"/>
-            <a:ext cx="1295882" cy="877163"/>
+            <a:off x="4865574" y="995693"/>
+            <a:ext cx="1203179" cy="954107"/>
           </a:xfrm>
           <a:prstGeom prst="rect">
             <a:avLst/>
@@ -6787,12 +6777,12 @@
           <a:lstStyle/>
           <a:p>
             <a:r>
-              <a:rPr lang="de-DE" sz="1100" dirty="0"/>
-              <a:t>Aufstellen der Koeffizienten-matrix</a:t>
-            </a:r>
-          </a:p>
-          <a:p>
-            <a:endParaRPr lang="de-DE" dirty="0"/>
+              <a:rPr lang="de-DE" sz="1400" dirty="0"/>
+              <a:t>Schätzen der Fundamental-matrix</a:t>
+            </a:r>
+          </a:p>
+          <a:p>
+            <a:endParaRPr lang="de-DE" sz="1400" dirty="0"/>
           </a:p>
         </p:txBody>
       </p:sp>
@@ -6810,8 +6800,8 @@
         </p:nvSpPr>
         <p:spPr>
           <a:xfrm>
-            <a:off x="7683267" y="2969461"/>
-            <a:ext cx="1050024" cy="1179943"/>
+            <a:off x="7657538" y="2443935"/>
+            <a:ext cx="1151810" cy="2348918"/>
           </a:xfrm>
           <a:prstGeom prst="roundRect">
             <a:avLst/>
@@ -6845,8 +6835,8 @@
           <a:p>
             <a:pPr algn="ctr"/>
             <a:r>
-              <a:rPr lang="de-DE" sz="1100" dirty="0"/>
-              <a:t>Eliminierung der geome-trischen Verzerrung beider Bilder zueinandern</a:t>
+              <a:rPr lang="de-DE" sz="1400" dirty="0"/>
+              <a:t>Elimi-nierung der geome-trischen Verzerrung beider Bilder zuei-dnandern</a:t>
             </a:r>
           </a:p>
         </p:txBody>
@@ -6865,8 +6855,8 @@
         </p:nvSpPr>
         <p:spPr>
           <a:xfrm>
-            <a:off x="6427268" y="2638042"/>
-            <a:ext cx="1050024" cy="2057774"/>
+            <a:off x="6083217" y="2255065"/>
+            <a:ext cx="1394075" cy="2667695"/>
           </a:xfrm>
           <a:prstGeom prst="roundRect">
             <a:avLst/>
@@ -6900,7 +6890,7 @@
           <a:p>
             <a:pPr algn="ctr"/>
             <a:r>
-              <a:rPr lang="de-DE" sz="1100" dirty="0"/>
+              <a:rPr lang="de-DE" sz="1400" dirty="0"/>
               <a:t>Mit der Fundamentalmatrix alleine ist es möglich die Projektions-matrizen bis auf ihre projektive Komponeten zu ermitteln</a:t>
             </a:r>
           </a:p>
@@ -6920,8 +6910,8 @@
         </p:nvSpPr>
         <p:spPr>
           <a:xfrm>
-            <a:off x="10246097" y="2919370"/>
-            <a:ext cx="1173063" cy="1315927"/>
+            <a:off x="10610849" y="2386838"/>
+            <a:ext cx="1307565" cy="2209583"/>
           </a:xfrm>
           <a:prstGeom prst="roundRect">
             <a:avLst/>
@@ -6955,7 +6945,7 @@
           <a:p>
             <a:pPr algn="ctr"/>
             <a:r>
-              <a:rPr lang="de-DE" sz="1100" dirty="0"/>
+              <a:rPr lang="de-DE" sz="1400" dirty="0"/>
               <a:t>Über die Tiefeninfor-mationen der Disparity-Map kann die Szene rekonstruiert werden</a:t>
             </a:r>
           </a:p>
@@ -6975,8 +6965,8 @@
         </p:nvSpPr>
         <p:spPr>
           <a:xfrm>
-            <a:off x="7560336" y="1330438"/>
-            <a:ext cx="1295882" cy="877163"/>
+            <a:off x="7560338" y="995692"/>
+            <a:ext cx="1295882" cy="738664"/>
           </a:xfrm>
           <a:prstGeom prst="rect">
             <a:avLst/>
@@ -6990,12 +6980,12 @@
           <a:lstStyle/>
           <a:p>
             <a:r>
-              <a:rPr lang="de-DE" sz="1100" dirty="0"/>
-              <a:t>Rektifizieren der beiden beiden Bilder</a:t>
-            </a:r>
-          </a:p>
-          <a:p>
-            <a:endParaRPr lang="de-DE" dirty="0"/>
+              <a:rPr lang="de-DE" sz="1400" dirty="0"/>
+              <a:t>Rektifizierung beider Bilder</a:t>
+            </a:r>
+          </a:p>
+          <a:p>
+            <a:endParaRPr lang="de-DE" sz="1400" dirty="0"/>
           </a:p>
         </p:txBody>
       </p:sp>
@@ -7013,8 +7003,8 @@
         </p:nvSpPr>
         <p:spPr>
           <a:xfrm>
-            <a:off x="10184686" y="1330437"/>
-            <a:ext cx="1629423" cy="707886"/>
+            <a:off x="10454470" y="995692"/>
+            <a:ext cx="1629423" cy="738664"/>
           </a:xfrm>
           <a:prstGeom prst="rect">
             <a:avLst/>
@@ -7028,12 +7018,12 @@
           <a:lstStyle/>
           <a:p>
             <a:r>
-              <a:rPr lang="de-DE" sz="1100" dirty="0"/>
-              <a:t>Rekonstruktion der Szene</a:t>
-            </a:r>
-          </a:p>
-          <a:p>
-            <a:endParaRPr lang="de-DE" dirty="0"/>
+              <a:rPr lang="de-DE" sz="1400" dirty="0"/>
+              <a:t>Rekonstruktion der 3D-Szene</a:t>
+            </a:r>
+          </a:p>
+          <a:p>
+            <a:endParaRPr lang="de-DE" sz="1400" dirty="0"/>
           </a:p>
         </p:txBody>
       </p:sp>
@@ -7051,8 +7041,8 @@
         </p:nvSpPr>
         <p:spPr>
           <a:xfrm>
-            <a:off x="6306296" y="1429318"/>
-            <a:ext cx="1295882" cy="877163"/>
+            <a:off x="6166174" y="898289"/>
+            <a:ext cx="1295882" cy="1169551"/>
           </a:xfrm>
           <a:prstGeom prst="rect">
             <a:avLst/>
@@ -7066,12 +7056,12 @@
           <a:lstStyle/>
           <a:p>
             <a:r>
-              <a:rPr lang="de-DE" sz="1100" dirty="0"/>
+              <a:rPr lang="de-DE" sz="1400" dirty="0"/>
               <a:t>Rekonstruktion der Projektions-matrizen</a:t>
             </a:r>
           </a:p>
           <a:p>
-            <a:endParaRPr lang="de-DE" dirty="0"/>
+            <a:endParaRPr lang="de-DE" sz="1400" dirty="0"/>
           </a:p>
         </p:txBody>
       </p:sp>
@@ -7089,8 +7079,8 @@
         </p:nvSpPr>
         <p:spPr>
           <a:xfrm>
-            <a:off x="2002980" y="1594349"/>
-            <a:ext cx="1295882" cy="600164"/>
+            <a:off x="2002980" y="1027720"/>
+            <a:ext cx="1143882" cy="954107"/>
           </a:xfrm>
           <a:prstGeom prst="rect">
             <a:avLst/>
@@ -7104,12 +7094,12 @@
           <a:lstStyle/>
           <a:p>
             <a:r>
-              <a:rPr lang="de-DE" sz="1100" dirty="0"/>
+              <a:rPr lang="de-DE" sz="1400" dirty="0"/>
               <a:t>Aufbau des Stereo-Set-Ups</a:t>
             </a:r>
           </a:p>
           <a:p>
-            <a:endParaRPr lang="de-DE" sz="1100" dirty="0"/>
+            <a:endParaRPr lang="de-DE" sz="1400" dirty="0"/>
           </a:p>
         </p:txBody>
       </p:sp>
@@ -7132,7 +7122,7 @@
         <p:spPr>
           <a:xfrm>
             <a:off x="1571080" y="3559433"/>
-            <a:ext cx="291276" cy="0"/>
+            <a:ext cx="291277" cy="0"/>
           </a:xfrm>
           <a:prstGeom prst="straightConnector1">
             <a:avLst/>
@@ -7174,8 +7164,8 @@
         </p:nvCxnSpPr>
         <p:spPr>
           <a:xfrm flipV="1">
-            <a:off x="3439487" y="3559432"/>
-            <a:ext cx="203035" cy="1"/>
+            <a:off x="3286987" y="3555734"/>
+            <a:ext cx="186284" cy="3699"/>
           </a:xfrm>
           <a:prstGeom prst="straightConnector1">
             <a:avLst/>
@@ -7217,8 +7207,8 @@
         </p:nvCxnSpPr>
         <p:spPr>
           <a:xfrm>
-            <a:off x="4699503" y="3559432"/>
-            <a:ext cx="233624" cy="18473"/>
+            <a:off x="4716279" y="3555734"/>
+            <a:ext cx="158752" cy="33179"/>
           </a:xfrm>
           <a:prstGeom prst="straightConnector1">
             <a:avLst/>
@@ -7259,8 +7249,8 @@
         </p:nvCxnSpPr>
         <p:spPr>
           <a:xfrm>
-            <a:off x="8733291" y="3559433"/>
-            <a:ext cx="227817" cy="3090"/>
+            <a:off x="8809348" y="3618394"/>
+            <a:ext cx="151683" cy="2205"/>
           </a:xfrm>
           <a:prstGeom prst="straightConnector1">
             <a:avLst/>
@@ -7295,14 +7285,15 @@
           </p:cNvPr>
           <p:cNvCxnSpPr>
             <a:cxnSpLocks/>
+            <a:stCxn id="38" idx="3"/>
             <a:endCxn id="44" idx="1"/>
           </p:cNvCxnSpPr>
           <p:nvPr/>
         </p:nvCxnSpPr>
         <p:spPr>
           <a:xfrm>
-            <a:off x="6218865" y="3663481"/>
-            <a:ext cx="208403" cy="3448"/>
+            <a:off x="5922706" y="3588913"/>
+            <a:ext cx="160511" cy="0"/>
           </a:xfrm>
           <a:prstGeom prst="straightConnector1">
             <a:avLst/>
@@ -7385,7 +7376,7 @@
         </p:nvCxnSpPr>
         <p:spPr>
           <a:xfrm>
-            <a:off x="3534668" y="1208014"/>
+            <a:off x="3383666" y="1214399"/>
             <a:ext cx="0" cy="4286774"/>
           </a:xfrm>
           <a:prstGeom prst="line">
@@ -7475,7 +7466,7 @@
         </p:nvCxnSpPr>
         <p:spPr>
           <a:xfrm>
-            <a:off x="6349706" y="1208014"/>
+            <a:off x="6002961" y="1193261"/>
             <a:ext cx="0" cy="4286774"/>
           </a:xfrm>
           <a:prstGeom prst="line">
@@ -7610,7 +7601,7 @@
         </p:nvCxnSpPr>
         <p:spPr>
           <a:xfrm>
-            <a:off x="10137042" y="1214399"/>
+            <a:off x="10454470" y="1214399"/>
             <a:ext cx="0" cy="4286774"/>
           </a:xfrm>
           <a:prstGeom prst="line">
@@ -7655,7 +7646,7 @@
         </p:nvCxnSpPr>
         <p:spPr>
           <a:xfrm>
-            <a:off x="10027987" y="3562522"/>
+            <a:off x="10392739" y="3548120"/>
             <a:ext cx="218110" cy="0"/>
           </a:xfrm>
           <a:prstGeom prst="straightConnector1">
@@ -7691,13 +7682,15 @@
           </p:cNvPr>
           <p:cNvCxnSpPr>
             <a:cxnSpLocks/>
+            <a:stCxn id="44" idx="3"/>
+            <a:endCxn id="42" idx="1"/>
           </p:cNvCxnSpPr>
           <p:nvPr/>
         </p:nvCxnSpPr>
         <p:spPr>
           <a:xfrm>
-            <a:off x="7506321" y="3666741"/>
-            <a:ext cx="275752" cy="0"/>
+            <a:off x="7477292" y="3588913"/>
+            <a:ext cx="180246" cy="29481"/>
           </a:xfrm>
           <a:prstGeom prst="straightConnector1">
             <a:avLst/>
@@ -7735,8 +7728,8 @@
         </p:nvSpPr>
         <p:spPr>
           <a:xfrm>
-            <a:off x="8969497" y="2638041"/>
-            <a:ext cx="1050024" cy="1848964"/>
+            <a:off x="8969497" y="2443934"/>
+            <a:ext cx="1375598" cy="2095392"/>
           </a:xfrm>
           <a:prstGeom prst="roundRect">
             <a:avLst/>
@@ -7770,8 +7763,8 @@
           <a:p>
             <a:pPr algn="ctr"/>
             <a:r>
-              <a:rPr lang="de-DE" sz="1100" dirty="0"/>
-              <a:t>Der Horizontale Versatz zweier korrespondierender Punkte zueinander gitb auskunft über deren Tiefe </a:t>
+              <a:rPr lang="de-DE" sz="1400" dirty="0"/>
+              <a:t>Der Horizontale Versatz zweier korrespondierender Punkte zueinander gibt Auskunft über deren Tiefe im 3D-Raum</a:t>
             </a:r>
           </a:p>
         </p:txBody>
@@ -7790,8 +7783,8 @@
         </p:nvSpPr>
         <p:spPr>
           <a:xfrm>
-            <a:off x="8836861" y="1330438"/>
-            <a:ext cx="1295882" cy="707886"/>
+            <a:off x="8961031" y="975886"/>
+            <a:ext cx="1295882" cy="954107"/>
           </a:xfrm>
           <a:prstGeom prst="rect">
             <a:avLst/>
@@ -7805,12 +7798,18 @@
           <a:lstStyle/>
           <a:p>
             <a:r>
-              <a:rPr lang="de-DE" sz="1100" dirty="0"/>
+              <a:rPr lang="de-DE" sz="1400" dirty="0"/>
               <a:t>Erstellen einer Disparity Map</a:t>
             </a:r>
           </a:p>
           <a:p>
-            <a:endParaRPr lang="de-DE" dirty="0"/>
+            <a:r>
+              <a:rPr lang="de-DE" sz="1400" dirty="0"/>
+              <a:t>(Tiefenkarte)</a:t>
+            </a:r>
+          </a:p>
+          <a:p>
+            <a:endParaRPr lang="de-DE" sz="1400" dirty="0"/>
           </a:p>
         </p:txBody>
       </p:sp>
